--- a/course_material/week_04/week_04_presentation.pptx
+++ b/course_material/week_04/week_04_presentation.pptx
@@ -5,7 +5,7 @@
     <p:sldMasterId id="2147483696" r:id="rId1"/>
   </p:sldMasterIdLst>
   <p:notesMasterIdLst>
-    <p:notesMasterId r:id="rId11"/>
+    <p:notesMasterId r:id="rId19"/>
   </p:notesMasterIdLst>
   <p:sldIdLst>
     <p:sldId id="256" r:id="rId2"/>
@@ -14,9 +14,17 @@
     <p:sldId id="301" r:id="rId5"/>
     <p:sldId id="262" r:id="rId6"/>
     <p:sldId id="276" r:id="rId7"/>
-    <p:sldId id="285" r:id="rId8"/>
-    <p:sldId id="270" r:id="rId9"/>
-    <p:sldId id="271" r:id="rId10"/>
+    <p:sldId id="273" r:id="rId8"/>
+    <p:sldId id="275" r:id="rId9"/>
+    <p:sldId id="306" r:id="rId10"/>
+    <p:sldId id="287" r:id="rId11"/>
+    <p:sldId id="294" r:id="rId12"/>
+    <p:sldId id="304" r:id="rId13"/>
+    <p:sldId id="285" r:id="rId14"/>
+    <p:sldId id="302" r:id="rId15"/>
+    <p:sldId id="303" r:id="rId16"/>
+    <p:sldId id="270" r:id="rId17"/>
+    <p:sldId id="271" r:id="rId18"/>
   </p:sldIdLst>
   <p:sldSz cx="12192000" cy="6858000"/>
   <p:notesSz cx="6858000" cy="9144000"/>
@@ -2096,6 +2104,93 @@
     </a:lvl9pPr>
   </p:notesStyle>
 </p:notesMaster>
+</file>
+
+<file path=ppt/notesSlides/notesSlide1.xml><?xml version="1.0" encoding="utf-8"?>
+<p:notes xmlns:a="http://schemas.openxmlformats.org/drawingml/2006/main" xmlns:r="http://schemas.openxmlformats.org/officeDocument/2006/relationships" xmlns:p="http://schemas.openxmlformats.org/presentationml/2006/main">
+  <p:cSld>
+    <p:spTree>
+      <p:nvGrpSpPr>
+        <p:cNvPr id="1" name=""/>
+        <p:cNvGrpSpPr/>
+        <p:nvPr/>
+      </p:nvGrpSpPr>
+      <p:grpSpPr>
+        <a:xfrm>
+          <a:off x="0" y="0"/>
+          <a:ext cx="0" cy="0"/>
+          <a:chOff x="0" y="0"/>
+          <a:chExt cx="0" cy="0"/>
+        </a:xfrm>
+      </p:grpSpPr>
+      <p:sp>
+        <p:nvSpPr>
+          <p:cNvPr id="2" name="Slide Image Placeholder 1"/>
+          <p:cNvSpPr>
+            <a:spLocks noGrp="1" noRot="1" noChangeAspect="1"/>
+          </p:cNvSpPr>
+          <p:nvPr>
+            <p:ph type="sldImg"/>
+          </p:nvPr>
+        </p:nvSpPr>
+        <p:spPr/>
+      </p:sp>
+      <p:sp>
+        <p:nvSpPr>
+          <p:cNvPr id="3" name="Notes Placeholder 2"/>
+          <p:cNvSpPr>
+            <a:spLocks noGrp="1"/>
+          </p:cNvSpPr>
+          <p:nvPr>
+            <p:ph type="body" idx="1"/>
+          </p:nvPr>
+        </p:nvSpPr>
+        <p:spPr/>
+        <p:txBody>
+          <a:bodyPr/>
+          <a:lstStyle/>
+          <a:p>
+            <a:r>
+              <a:rPr lang="en-US" dirty="0"/>
+              <a:t>https://pandas.pydata.org/docs/reference/api/pandas.core.groupby.GroupBy.mean.html</a:t>
+            </a:r>
+          </a:p>
+        </p:txBody>
+      </p:sp>
+      <p:sp>
+        <p:nvSpPr>
+          <p:cNvPr id="4" name="Slide Number Placeholder 3"/>
+          <p:cNvSpPr>
+            <a:spLocks noGrp="1"/>
+          </p:cNvSpPr>
+          <p:nvPr>
+            <p:ph type="sldNum" sz="quarter" idx="5"/>
+          </p:nvPr>
+        </p:nvSpPr>
+        <p:spPr/>
+        <p:txBody>
+          <a:bodyPr/>
+          <a:lstStyle/>
+          <a:p>
+            <a:fld id="{791F1524-C5FD-4370-8A10-5BE52A97A495}" type="slidenum">
+              <a:rPr lang="en-US" smtClean="0"/>
+              <a:t>15</a:t>
+            </a:fld>
+            <a:endParaRPr lang="en-US"/>
+          </a:p>
+        </p:txBody>
+      </p:sp>
+    </p:spTree>
+    <p:extLst>
+      <p:ext uri="{BB962C8B-B14F-4D97-AF65-F5344CB8AC3E}">
+        <p14:creationId xmlns:p14="http://schemas.microsoft.com/office/powerpoint/2010/main" val="3297139008"/>
+      </p:ext>
+    </p:extLst>
+  </p:cSld>
+  <p:clrMapOvr>
+    <a:masterClrMapping/>
+  </p:clrMapOvr>
+</p:notes>
 </file>
 
 <file path=ppt/slideLayouts/slideLayout1.xml><?xml version="1.0" encoding="utf-8"?>
@@ -5446,6 +5541,1154 @@
 </p:sld>
 </file>
 
+<file path=ppt/slides/slide10.xml><?xml version="1.0" encoding="utf-8"?>
+<p:sld xmlns:a="http://schemas.openxmlformats.org/drawingml/2006/main" xmlns:r="http://schemas.openxmlformats.org/officeDocument/2006/relationships" xmlns:p="http://schemas.openxmlformats.org/presentationml/2006/main">
+  <p:cSld>
+    <p:spTree>
+      <p:nvGrpSpPr>
+        <p:cNvPr id="1" name=""/>
+        <p:cNvGrpSpPr/>
+        <p:nvPr/>
+      </p:nvGrpSpPr>
+      <p:grpSpPr>
+        <a:xfrm>
+          <a:off x="0" y="0"/>
+          <a:ext cx="0" cy="0"/>
+          <a:chOff x="0" y="0"/>
+          <a:chExt cx="0" cy="0"/>
+        </a:xfrm>
+      </p:grpSpPr>
+      <p:sp>
+        <p:nvSpPr>
+          <p:cNvPr id="2" name="Title 1">
+            <a:extLst>
+              <a:ext uri="{FF2B5EF4-FFF2-40B4-BE49-F238E27FC236}">
+                <a16:creationId xmlns:a16="http://schemas.microsoft.com/office/drawing/2014/main" id="{359829A8-3687-423E-8E54-A142B03D0B1D}"/>
+              </a:ext>
+            </a:extLst>
+          </p:cNvPr>
+          <p:cNvSpPr>
+            <a:spLocks noGrp="1"/>
+          </p:cNvSpPr>
+          <p:nvPr>
+            <p:ph type="title"/>
+          </p:nvPr>
+        </p:nvSpPr>
+        <p:spPr/>
+        <p:txBody>
+          <a:bodyPr/>
+          <a:lstStyle/>
+          <a:p>
+            <a:r>
+              <a:rPr lang="en-US" dirty="0"/>
+              <a:t>Indexing</a:t>
+            </a:r>
+          </a:p>
+        </p:txBody>
+      </p:sp>
+      <p:sp>
+        <p:nvSpPr>
+          <p:cNvPr id="3" name="Content Placeholder 2">
+            <a:extLst>
+              <a:ext uri="{FF2B5EF4-FFF2-40B4-BE49-F238E27FC236}">
+                <a16:creationId xmlns:a16="http://schemas.microsoft.com/office/drawing/2014/main" id="{F1A9F7A8-CCA5-49A9-8B3C-99C2259F06B9}"/>
+              </a:ext>
+            </a:extLst>
+          </p:cNvPr>
+          <p:cNvSpPr>
+            <a:spLocks noGrp="1"/>
+          </p:cNvSpPr>
+          <p:nvPr>
+            <p:ph idx="1"/>
+          </p:nvPr>
+        </p:nvSpPr>
+        <p:spPr/>
+        <p:txBody>
+          <a:bodyPr>
+            <a:normAutofit/>
+          </a:bodyPr>
+          <a:lstStyle/>
+          <a:p>
+            <a:pPr marL="0" indent="0">
+              <a:buNone/>
+            </a:pPr>
+            <a:r>
+              <a:rPr lang="en-US" sz="2600" dirty="0">
+                <a:latin typeface="Courier New" panose="02070309020205020404" pitchFamily="49" charset="0"/>
+                <a:cs typeface="Courier New" panose="02070309020205020404" pitchFamily="49" charset="0"/>
+              </a:rPr>
+              <a:t>a[0,0]  	# top-left element</a:t>
+            </a:r>
+          </a:p>
+          <a:p>
+            <a:pPr marL="0" indent="0">
+              <a:buNone/>
+            </a:pPr>
+            <a:r>
+              <a:rPr lang="en-US" sz="2600" dirty="0">
+                <a:latin typeface="Courier New" panose="02070309020205020404" pitchFamily="49" charset="0"/>
+                <a:cs typeface="Courier New" panose="02070309020205020404" pitchFamily="49" charset="0"/>
+              </a:rPr>
+              <a:t>a[0,-1] 	# first row, last column</a:t>
+            </a:r>
+          </a:p>
+          <a:p>
+            <a:pPr marL="0" indent="0">
+              <a:buNone/>
+            </a:pPr>
+            <a:r>
+              <a:rPr lang="en-US" sz="2600" dirty="0">
+                <a:latin typeface="Courier New" panose="02070309020205020404" pitchFamily="49" charset="0"/>
+                <a:cs typeface="Courier New" panose="02070309020205020404" pitchFamily="49" charset="0"/>
+              </a:rPr>
+              <a:t>a[0,:]	# first row (many entries)</a:t>
+            </a:r>
+          </a:p>
+          <a:p>
+            <a:pPr marL="0" indent="0">
+              <a:buNone/>
+            </a:pPr>
+            <a:r>
+              <a:rPr lang="en-US" sz="2600" dirty="0">
+                <a:latin typeface="Courier New" panose="02070309020205020404" pitchFamily="49" charset="0"/>
+                <a:cs typeface="Courier New" panose="02070309020205020404" pitchFamily="49" charset="0"/>
+              </a:rPr>
+              <a:t>a[:,0]	# first column (many entries)</a:t>
+            </a:r>
+            <a:endParaRPr lang="en-US" dirty="0"/>
+          </a:p>
+          <a:p>
+            <a:pPr marL="0" indent="0">
+              <a:buNone/>
+            </a:pPr>
+            <a:r>
+              <a:rPr lang="en-US" dirty="0"/>
+              <a:t>Notes:</a:t>
+            </a:r>
+          </a:p>
+          <a:p>
+            <a:pPr lvl="1"/>
+            <a:r>
+              <a:rPr lang="en-US" dirty="0"/>
+              <a:t>Zero-indexing</a:t>
+            </a:r>
+          </a:p>
+        </p:txBody>
+      </p:sp>
+      <p:sp>
+        <p:nvSpPr>
+          <p:cNvPr id="4" name="Slide Number Placeholder 3">
+            <a:extLst>
+              <a:ext uri="{FF2B5EF4-FFF2-40B4-BE49-F238E27FC236}">
+                <a16:creationId xmlns:a16="http://schemas.microsoft.com/office/drawing/2014/main" id="{A74BC654-7FE9-4E8A-BAFB-E8869D3BC241}"/>
+              </a:ext>
+            </a:extLst>
+          </p:cNvPr>
+          <p:cNvSpPr>
+            <a:spLocks noGrp="1"/>
+          </p:cNvSpPr>
+          <p:nvPr>
+            <p:ph type="sldNum" sz="quarter" idx="12"/>
+          </p:nvPr>
+        </p:nvSpPr>
+        <p:spPr/>
+        <p:txBody>
+          <a:bodyPr>
+            <a:normAutofit lnSpcReduction="10000"/>
+          </a:bodyPr>
+          <a:lstStyle/>
+          <a:p>
+            <a:fld id="{4FAB73BC-B049-4115-A692-8D63A059BFB8}" type="slidenum">
+              <a:rPr lang="en-US" smtClean="0"/>
+              <a:t>10</a:t>
+            </a:fld>
+            <a:endParaRPr lang="en-US" dirty="0"/>
+          </a:p>
+        </p:txBody>
+      </p:sp>
+    </p:spTree>
+    <p:extLst>
+      <p:ext uri="{BB962C8B-B14F-4D97-AF65-F5344CB8AC3E}">
+        <p14:creationId xmlns:p14="http://schemas.microsoft.com/office/powerpoint/2010/main" val="2407682349"/>
+      </p:ext>
+    </p:extLst>
+  </p:cSld>
+  <p:clrMapOvr>
+    <a:masterClrMapping/>
+  </p:clrMapOvr>
+</p:sld>
+</file>
+
+<file path=ppt/slides/slide11.xml><?xml version="1.0" encoding="utf-8"?>
+<p:sld xmlns:a="http://schemas.openxmlformats.org/drawingml/2006/main" xmlns:r="http://schemas.openxmlformats.org/officeDocument/2006/relationships" xmlns:p="http://schemas.openxmlformats.org/presentationml/2006/main">
+  <p:cSld>
+    <p:spTree>
+      <p:nvGrpSpPr>
+        <p:cNvPr id="1" name=""/>
+        <p:cNvGrpSpPr/>
+        <p:nvPr/>
+      </p:nvGrpSpPr>
+      <p:grpSpPr>
+        <a:xfrm>
+          <a:off x="0" y="0"/>
+          <a:ext cx="0" cy="0"/>
+          <a:chOff x="0" y="0"/>
+          <a:chExt cx="0" cy="0"/>
+        </a:xfrm>
+      </p:grpSpPr>
+      <p:sp>
+        <p:nvSpPr>
+          <p:cNvPr id="2" name="Title 1">
+            <a:extLst>
+              <a:ext uri="{FF2B5EF4-FFF2-40B4-BE49-F238E27FC236}">
+                <a16:creationId xmlns:a16="http://schemas.microsoft.com/office/drawing/2014/main" id="{119E4807-290B-4611-A3D4-F318CE40FDDE}"/>
+              </a:ext>
+            </a:extLst>
+          </p:cNvPr>
+          <p:cNvSpPr>
+            <a:spLocks noGrp="1"/>
+          </p:cNvSpPr>
+          <p:nvPr>
+            <p:ph type="title"/>
+          </p:nvPr>
+        </p:nvSpPr>
+        <p:spPr/>
+        <p:txBody>
+          <a:bodyPr/>
+          <a:lstStyle/>
+          <a:p>
+            <a:r>
+              <a:rPr lang="en-US" dirty="0"/>
+              <a:t>Python Slicing</a:t>
+            </a:r>
+          </a:p>
+        </p:txBody>
+      </p:sp>
+      <p:sp>
+        <p:nvSpPr>
+          <p:cNvPr id="3" name="Content Placeholder 2">
+            <a:extLst>
+              <a:ext uri="{FF2B5EF4-FFF2-40B4-BE49-F238E27FC236}">
+                <a16:creationId xmlns:a16="http://schemas.microsoft.com/office/drawing/2014/main" id="{745D63D1-B938-4081-939F-07E76E716115}"/>
+              </a:ext>
+            </a:extLst>
+          </p:cNvPr>
+          <p:cNvSpPr>
+            <a:spLocks noGrp="1"/>
+          </p:cNvSpPr>
+          <p:nvPr>
+            <p:ph idx="1"/>
+          </p:nvPr>
+        </p:nvSpPr>
+        <p:spPr>
+          <a:xfrm>
+            <a:off x="1261872" y="1828800"/>
+            <a:ext cx="9519542" cy="4351337"/>
+          </a:xfrm>
+        </p:spPr>
+        <p:txBody>
+          <a:bodyPr/>
+          <a:lstStyle/>
+          <a:p>
+            <a:pPr marL="0" indent="0">
+              <a:buNone/>
+            </a:pPr>
+            <a:r>
+              <a:rPr lang="en-US" dirty="0"/>
+              <a:t>Syntax: </a:t>
+            </a:r>
+            <a:r>
+              <a:rPr lang="en-US" dirty="0" err="1"/>
+              <a:t>start:stop:step</a:t>
+            </a:r>
+            <a:endParaRPr lang="en-US" dirty="0"/>
+          </a:p>
+          <a:p>
+            <a:pPr marL="0" indent="0">
+              <a:buNone/>
+            </a:pPr>
+            <a:r>
+              <a:rPr lang="en-US" sz="2400" dirty="0">
+                <a:latin typeface="Courier New" panose="02070309020205020404" pitchFamily="49" charset="0"/>
+                <a:cs typeface="Courier New" panose="02070309020205020404" pitchFamily="49" charset="0"/>
+              </a:rPr>
+              <a:t>a = list(range(10)) </a:t>
+            </a:r>
+          </a:p>
+          <a:p>
+            <a:pPr marL="0" indent="0">
+              <a:buNone/>
+            </a:pPr>
+            <a:r>
+              <a:rPr lang="en-US" sz="2400" dirty="0">
+                <a:latin typeface="Courier New" panose="02070309020205020404" pitchFamily="49" charset="0"/>
+                <a:cs typeface="Courier New" panose="02070309020205020404" pitchFamily="49" charset="0"/>
+              </a:rPr>
+              <a:t>a[:3] # indices 0, 1, 2 </a:t>
+            </a:r>
+          </a:p>
+          <a:p>
+            <a:pPr marL="0" indent="0">
+              <a:buNone/>
+            </a:pPr>
+            <a:r>
+              <a:rPr lang="en-US" sz="2400" dirty="0">
+                <a:latin typeface="Courier New" panose="02070309020205020404" pitchFamily="49" charset="0"/>
+                <a:cs typeface="Courier New" panose="02070309020205020404" pitchFamily="49" charset="0"/>
+              </a:rPr>
+              <a:t>a[-3:] # indices 7, 8, 9 </a:t>
+            </a:r>
+          </a:p>
+          <a:p>
+            <a:pPr marL="0" indent="0">
+              <a:buNone/>
+            </a:pPr>
+            <a:r>
+              <a:rPr lang="en-US" sz="2400" dirty="0">
+                <a:latin typeface="Courier New" panose="02070309020205020404" pitchFamily="49" charset="0"/>
+                <a:cs typeface="Courier New" panose="02070309020205020404" pitchFamily="49" charset="0"/>
+              </a:rPr>
+              <a:t>a[3:8:2] # indices 3, 5, 7 </a:t>
+            </a:r>
+          </a:p>
+          <a:p>
+            <a:pPr marL="0" indent="0">
+              <a:buNone/>
+            </a:pPr>
+            <a:r>
+              <a:rPr lang="en-US" sz="2400" dirty="0">
+                <a:latin typeface="Courier New" panose="02070309020205020404" pitchFamily="49" charset="0"/>
+                <a:cs typeface="Courier New" panose="02070309020205020404" pitchFamily="49" charset="0"/>
+              </a:rPr>
+              <a:t>a[4:1:-1] # indices 4, 3, 2 (this one is tricky)</a:t>
+            </a:r>
+          </a:p>
+        </p:txBody>
+      </p:sp>
+      <p:sp>
+        <p:nvSpPr>
+          <p:cNvPr id="4" name="Slide Number Placeholder 3">
+            <a:extLst>
+              <a:ext uri="{FF2B5EF4-FFF2-40B4-BE49-F238E27FC236}">
+                <a16:creationId xmlns:a16="http://schemas.microsoft.com/office/drawing/2014/main" id="{A961B666-6E37-4E9E-9A65-B416B9EE2D8F}"/>
+              </a:ext>
+            </a:extLst>
+          </p:cNvPr>
+          <p:cNvSpPr>
+            <a:spLocks noGrp="1"/>
+          </p:cNvSpPr>
+          <p:nvPr>
+            <p:ph type="sldNum" sz="quarter" idx="12"/>
+          </p:nvPr>
+        </p:nvSpPr>
+        <p:spPr/>
+        <p:txBody>
+          <a:bodyPr>
+            <a:normAutofit lnSpcReduction="10000"/>
+          </a:bodyPr>
+          <a:lstStyle/>
+          <a:p>
+            <a:fld id="{4FAB73BC-B049-4115-A692-8D63A059BFB8}" type="slidenum">
+              <a:rPr lang="en-US" smtClean="0"/>
+              <a:t>11</a:t>
+            </a:fld>
+            <a:endParaRPr lang="en-US" dirty="0"/>
+          </a:p>
+        </p:txBody>
+      </p:sp>
+    </p:spTree>
+    <p:extLst>
+      <p:ext uri="{BB962C8B-B14F-4D97-AF65-F5344CB8AC3E}">
+        <p14:creationId xmlns:p14="http://schemas.microsoft.com/office/powerpoint/2010/main" val="2673824285"/>
+      </p:ext>
+    </p:extLst>
+  </p:cSld>
+  <p:clrMapOvr>
+    <a:masterClrMapping/>
+  </p:clrMapOvr>
+</p:sld>
+</file>
+
+<file path=ppt/slides/slide12.xml><?xml version="1.0" encoding="utf-8"?>
+<p:sld xmlns:a="http://schemas.openxmlformats.org/drawingml/2006/main" xmlns:r="http://schemas.openxmlformats.org/officeDocument/2006/relationships" xmlns:p="http://schemas.openxmlformats.org/presentationml/2006/main">
+  <p:cSld>
+    <p:spTree>
+      <p:nvGrpSpPr>
+        <p:cNvPr id="1" name=""/>
+        <p:cNvGrpSpPr/>
+        <p:nvPr/>
+      </p:nvGrpSpPr>
+      <p:grpSpPr>
+        <a:xfrm>
+          <a:off x="0" y="0"/>
+          <a:ext cx="0" cy="0"/>
+          <a:chOff x="0" y="0"/>
+          <a:chExt cx="0" cy="0"/>
+        </a:xfrm>
+      </p:grpSpPr>
+      <p:sp>
+        <p:nvSpPr>
+          <p:cNvPr id="2" name="Title 1">
+            <a:extLst>
+              <a:ext uri="{FF2B5EF4-FFF2-40B4-BE49-F238E27FC236}">
+                <a16:creationId xmlns:a16="http://schemas.microsoft.com/office/drawing/2014/main" id="{CFE94216-BB6D-4B59-AEEC-58F179B1A1A2}"/>
+              </a:ext>
+            </a:extLst>
+          </p:cNvPr>
+          <p:cNvSpPr>
+            <a:spLocks noGrp="1"/>
+          </p:cNvSpPr>
+          <p:nvPr>
+            <p:ph type="title"/>
+          </p:nvPr>
+        </p:nvSpPr>
+        <p:spPr/>
+        <p:txBody>
+          <a:bodyPr/>
+          <a:lstStyle/>
+          <a:p>
+            <a:r>
+              <a:rPr lang="en-US" dirty="0" err="1"/>
+              <a:t>Numpy</a:t>
+            </a:r>
+            <a:r>
+              <a:rPr lang="en-US" dirty="0"/>
+              <a:t> Exercise (5 min)</a:t>
+            </a:r>
+          </a:p>
+        </p:txBody>
+      </p:sp>
+      <p:sp>
+        <p:nvSpPr>
+          <p:cNvPr id="3" name="Content Placeholder 2">
+            <a:extLst>
+              <a:ext uri="{FF2B5EF4-FFF2-40B4-BE49-F238E27FC236}">
+                <a16:creationId xmlns:a16="http://schemas.microsoft.com/office/drawing/2014/main" id="{66D6A59C-699F-4365-B811-B1099E7E29E0}"/>
+              </a:ext>
+            </a:extLst>
+          </p:cNvPr>
+          <p:cNvSpPr>
+            <a:spLocks noGrp="1"/>
+          </p:cNvSpPr>
+          <p:nvPr>
+            <p:ph idx="1"/>
+          </p:nvPr>
+        </p:nvSpPr>
+        <p:spPr/>
+        <p:txBody>
+          <a:bodyPr/>
+          <a:lstStyle/>
+          <a:p>
+            <a:pPr marL="342900" indent="-342900">
+              <a:buAutoNum type="arabicParenR"/>
+            </a:pPr>
+            <a:endParaRPr lang="en-US" dirty="0"/>
+          </a:p>
+          <a:p>
+            <a:pPr marL="342900" marR="0" lvl="0" indent="-342900" algn="l" defTabSz="914400" rtl="0" eaLnBrk="1" fontAlgn="auto" latinLnBrk="0" hangingPunct="1">
+              <a:lnSpc>
+                <a:spcPct val="95000"/>
+              </a:lnSpc>
+              <a:spcBef>
+                <a:spcPts val="1400"/>
+              </a:spcBef>
+              <a:spcAft>
+                <a:spcPts val="200"/>
+              </a:spcAft>
+              <a:buClr>
+                <a:srgbClr val="93A299"/>
+              </a:buClr>
+              <a:buSzPct val="80000"/>
+              <a:buFont typeface="Arial" pitchFamily="34" charset="0"/>
+              <a:buAutoNum type="arabicParenR"/>
+              <a:tabLst/>
+              <a:defRPr/>
+            </a:pPr>
+            <a:r>
+              <a:rPr kumimoji="0" lang="en-US" sz="1800" b="0" i="0" u="none" strike="noStrike" kern="1200" cap="none" spc="10" normalizeH="0" baseline="0" noProof="0" dirty="0">
+                <a:ln>
+                  <a:noFill/>
+                </a:ln>
+                <a:solidFill>
+                  <a:prstClr val="white"/>
+                </a:solidFill>
+                <a:effectLst/>
+                <a:uLnTx/>
+                <a:uFillTx/>
+                <a:latin typeface="Helvetica" panose="020B0604020202020204" pitchFamily="34" charset="0"/>
+                <a:ea typeface="+mn-ea"/>
+                <a:cs typeface="+mn-cs"/>
+              </a:rPr>
+              <a:t>Write a NumPy program to create a 3x3 matrix with values ranging from 2 to 10</a:t>
+            </a:r>
+          </a:p>
+          <a:p>
+            <a:pPr marL="342900" indent="-342900">
+              <a:buAutoNum type="arabicParenR"/>
+            </a:pPr>
+            <a:r>
+              <a:rPr lang="en-US" dirty="0"/>
+              <a:t>Find the square root of all the values in this </a:t>
+            </a:r>
+            <a:r>
+              <a:rPr lang="en-US" dirty="0" err="1"/>
+              <a:t>Numpy</a:t>
+            </a:r>
+            <a:r>
+              <a:rPr lang="en-US" dirty="0"/>
+              <a:t> array</a:t>
+            </a:r>
+          </a:p>
+          <a:p>
+            <a:pPr marL="342900" indent="-342900">
+              <a:buAutoNum type="arabicParenR"/>
+            </a:pPr>
+            <a:endParaRPr lang="en-US" dirty="0">
+              <a:latin typeface="Courier New" panose="02070309020205020404" pitchFamily="49" charset="0"/>
+              <a:cs typeface="Courier New" panose="02070309020205020404" pitchFamily="49" charset="0"/>
+            </a:endParaRPr>
+          </a:p>
+          <a:p>
+            <a:pPr marL="342900" indent="-342900">
+              <a:buAutoNum type="arabicParenR"/>
+            </a:pPr>
+            <a:endParaRPr lang="en-US" dirty="0">
+              <a:latin typeface="Courier New" panose="02070309020205020404" pitchFamily="49" charset="0"/>
+              <a:cs typeface="Courier New" panose="02070309020205020404" pitchFamily="49" charset="0"/>
+            </a:endParaRPr>
+          </a:p>
+          <a:p>
+            <a:pPr marL="342900" indent="-342900">
+              <a:buAutoNum type="arabicParenR"/>
+            </a:pPr>
+            <a:endParaRPr lang="en-US" dirty="0">
+              <a:latin typeface="Courier New" panose="02070309020205020404" pitchFamily="49" charset="0"/>
+              <a:cs typeface="Courier New" panose="02070309020205020404" pitchFamily="49" charset="0"/>
+            </a:endParaRPr>
+          </a:p>
+          <a:p>
+            <a:pPr marL="342900" indent="-342900">
+              <a:buAutoNum type="arabicParenR"/>
+            </a:pPr>
+            <a:endParaRPr lang="en-US" dirty="0">
+              <a:latin typeface="Courier New" panose="02070309020205020404" pitchFamily="49" charset="0"/>
+              <a:cs typeface="Courier New" panose="02070309020205020404" pitchFamily="49" charset="0"/>
+            </a:endParaRPr>
+          </a:p>
+          <a:p>
+            <a:pPr marL="342900" indent="-342900">
+              <a:buAutoNum type="arabicParenR"/>
+            </a:pPr>
+            <a:endParaRPr lang="en-US" dirty="0">
+              <a:latin typeface="Courier New" panose="02070309020205020404" pitchFamily="49" charset="0"/>
+              <a:cs typeface="Courier New" panose="02070309020205020404" pitchFamily="49" charset="0"/>
+            </a:endParaRPr>
+          </a:p>
+          <a:p>
+            <a:pPr marL="342900" indent="-342900">
+              <a:buAutoNum type="arabicParenR"/>
+            </a:pPr>
+            <a:endParaRPr lang="en-US" dirty="0">
+              <a:latin typeface="Courier New" panose="02070309020205020404" pitchFamily="49" charset="0"/>
+              <a:cs typeface="Courier New" panose="02070309020205020404" pitchFamily="49" charset="0"/>
+            </a:endParaRPr>
+          </a:p>
+        </p:txBody>
+      </p:sp>
+    </p:spTree>
+    <p:extLst>
+      <p:ext uri="{BB962C8B-B14F-4D97-AF65-F5344CB8AC3E}">
+        <p14:creationId xmlns:p14="http://schemas.microsoft.com/office/powerpoint/2010/main" val="725225828"/>
+      </p:ext>
+    </p:extLst>
+  </p:cSld>
+  <p:clrMapOvr>
+    <a:masterClrMapping/>
+  </p:clrMapOvr>
+</p:sld>
+</file>
+
+<file path=ppt/slides/slide13.xml><?xml version="1.0" encoding="utf-8"?>
+<p:sld xmlns:a="http://schemas.openxmlformats.org/drawingml/2006/main" xmlns:r="http://schemas.openxmlformats.org/officeDocument/2006/relationships" xmlns:p="http://schemas.openxmlformats.org/presentationml/2006/main">
+  <p:cSld>
+    <p:spTree>
+      <p:nvGrpSpPr>
+        <p:cNvPr id="1" name=""/>
+        <p:cNvGrpSpPr/>
+        <p:nvPr/>
+      </p:nvGrpSpPr>
+      <p:grpSpPr>
+        <a:xfrm>
+          <a:off x="0" y="0"/>
+          <a:ext cx="0" cy="0"/>
+          <a:chOff x="0" y="0"/>
+          <a:chExt cx="0" cy="0"/>
+        </a:xfrm>
+      </p:grpSpPr>
+      <p:sp>
+        <p:nvSpPr>
+          <p:cNvPr id="4" name="Title 3">
+            <a:extLst>
+              <a:ext uri="{FF2B5EF4-FFF2-40B4-BE49-F238E27FC236}">
+                <a16:creationId xmlns:a16="http://schemas.microsoft.com/office/drawing/2014/main" id="{297BDE90-8DCF-4039-AB05-11C3F09C3813}"/>
+              </a:ext>
+            </a:extLst>
+          </p:cNvPr>
+          <p:cNvSpPr>
+            <a:spLocks noGrp="1"/>
+          </p:cNvSpPr>
+          <p:nvPr>
+            <p:ph type="ctrTitle"/>
+          </p:nvPr>
+        </p:nvSpPr>
+        <p:spPr/>
+        <p:txBody>
+          <a:bodyPr/>
+          <a:lstStyle/>
+          <a:p>
+            <a:r>
+              <a:rPr lang="en-US" dirty="0"/>
+              <a:t>Break (15 Minutes)</a:t>
+            </a:r>
+          </a:p>
+        </p:txBody>
+      </p:sp>
+      <p:sp>
+        <p:nvSpPr>
+          <p:cNvPr id="5" name="Subtitle 4">
+            <a:extLst>
+              <a:ext uri="{FF2B5EF4-FFF2-40B4-BE49-F238E27FC236}">
+                <a16:creationId xmlns:a16="http://schemas.microsoft.com/office/drawing/2014/main" id="{AE43AD4D-53BE-4D90-B4EE-A313556AC5A9}"/>
+              </a:ext>
+            </a:extLst>
+          </p:cNvPr>
+          <p:cNvSpPr>
+            <a:spLocks noGrp="1"/>
+          </p:cNvSpPr>
+          <p:nvPr>
+            <p:ph type="subTitle" idx="1"/>
+          </p:nvPr>
+        </p:nvSpPr>
+        <p:spPr/>
+        <p:txBody>
+          <a:bodyPr/>
+          <a:lstStyle/>
+          <a:p>
+            <a:r>
+              <a:rPr lang="en-US" dirty="0"/>
+              <a:t>Attendance word: </a:t>
+            </a:r>
+            <a:r>
+              <a:rPr lang="en-US" b="1" i="0" dirty="0" err="1">
+                <a:solidFill>
+                  <a:schemeClr val="tx1"/>
+                </a:solidFill>
+                <a:effectLst/>
+                <a:latin typeface="Slack-Lato"/>
+              </a:rPr>
+              <a:t>SoftwareStar</a:t>
+            </a:r>
+            <a:r>
+              <a:rPr lang="en-US" b="1" i="0" dirty="0">
+                <a:solidFill>
+                  <a:srgbClr val="1D1C1D"/>
+                </a:solidFill>
+                <a:effectLst/>
+                <a:latin typeface="Slack-Lato"/>
+              </a:rPr>
+              <a:t> </a:t>
+            </a:r>
+            <a:endParaRPr lang="en-US" dirty="0"/>
+          </a:p>
+        </p:txBody>
+      </p:sp>
+    </p:spTree>
+    <p:extLst>
+      <p:ext uri="{BB962C8B-B14F-4D97-AF65-F5344CB8AC3E}">
+        <p14:creationId xmlns:p14="http://schemas.microsoft.com/office/powerpoint/2010/main" val="3877287137"/>
+      </p:ext>
+    </p:extLst>
+  </p:cSld>
+  <p:clrMapOvr>
+    <a:masterClrMapping/>
+  </p:clrMapOvr>
+</p:sld>
+</file>
+
+<file path=ppt/slides/slide14.xml><?xml version="1.0" encoding="utf-8"?>
+<p:sld xmlns:a="http://schemas.openxmlformats.org/drawingml/2006/main" xmlns:r="http://schemas.openxmlformats.org/officeDocument/2006/relationships" xmlns:p="http://schemas.openxmlformats.org/presentationml/2006/main">
+  <p:cSld>
+    <p:spTree>
+      <p:nvGrpSpPr>
+        <p:cNvPr id="1" name=""/>
+        <p:cNvGrpSpPr/>
+        <p:nvPr/>
+      </p:nvGrpSpPr>
+      <p:grpSpPr>
+        <a:xfrm>
+          <a:off x="0" y="0"/>
+          <a:ext cx="0" cy="0"/>
+          <a:chOff x="0" y="0"/>
+          <a:chExt cx="0" cy="0"/>
+        </a:xfrm>
+      </p:grpSpPr>
+      <p:sp>
+        <p:nvSpPr>
+          <p:cNvPr id="2" name="Title 1">
+            <a:extLst>
+              <a:ext uri="{FF2B5EF4-FFF2-40B4-BE49-F238E27FC236}">
+                <a16:creationId xmlns:a16="http://schemas.microsoft.com/office/drawing/2014/main" id="{472AD87B-CA7C-435F-BBFC-2954C82C34FA}"/>
+              </a:ext>
+            </a:extLst>
+          </p:cNvPr>
+          <p:cNvSpPr>
+            <a:spLocks noGrp="1"/>
+          </p:cNvSpPr>
+          <p:nvPr>
+            <p:ph type="title"/>
+          </p:nvPr>
+        </p:nvSpPr>
+        <p:spPr/>
+        <p:txBody>
+          <a:bodyPr/>
+          <a:lstStyle/>
+          <a:p>
+            <a:r>
+              <a:rPr lang="en-US" dirty="0"/>
+              <a:t>Pandas</a:t>
+            </a:r>
+          </a:p>
+        </p:txBody>
+      </p:sp>
+      <p:sp>
+        <p:nvSpPr>
+          <p:cNvPr id="3" name="Content Placeholder 2">
+            <a:extLst>
+              <a:ext uri="{FF2B5EF4-FFF2-40B4-BE49-F238E27FC236}">
+                <a16:creationId xmlns:a16="http://schemas.microsoft.com/office/drawing/2014/main" id="{55CD36E6-A898-46D8-8C91-98765A6650DE}"/>
+              </a:ext>
+            </a:extLst>
+          </p:cNvPr>
+          <p:cNvSpPr>
+            <a:spLocks noGrp="1"/>
+          </p:cNvSpPr>
+          <p:nvPr>
+            <p:ph idx="1"/>
+          </p:nvPr>
+        </p:nvSpPr>
+        <p:spPr/>
+        <p:txBody>
+          <a:bodyPr/>
+          <a:lstStyle/>
+          <a:p>
+            <a:r>
+              <a:rPr lang="en-US" dirty="0"/>
+              <a:t>Python module used for data analysis and exploration</a:t>
+            </a:r>
+          </a:p>
+          <a:p>
+            <a:r>
+              <a:rPr lang="en-US" dirty="0"/>
+              <a:t>Two main useful data structures:</a:t>
+            </a:r>
+          </a:p>
+          <a:p>
+            <a:pPr lvl="1"/>
+            <a:r>
+              <a:rPr lang="en-US" dirty="0"/>
+              <a:t>Series</a:t>
+            </a:r>
+          </a:p>
+          <a:p>
+            <a:pPr lvl="1"/>
+            <a:r>
+              <a:rPr lang="en-US" dirty="0" err="1"/>
+              <a:t>DataFrames</a:t>
+            </a:r>
+            <a:endParaRPr lang="en-US" dirty="0"/>
+          </a:p>
+          <a:p>
+            <a:r>
+              <a:rPr lang="en-US" dirty="0"/>
+              <a:t>Can import data files and turn them into </a:t>
+            </a:r>
+            <a:r>
+              <a:rPr lang="en-US" dirty="0" err="1"/>
+              <a:t>DataFrames</a:t>
+            </a:r>
+            <a:endParaRPr lang="en-US" dirty="0"/>
+          </a:p>
+          <a:p>
+            <a:pPr lvl="1"/>
+            <a:r>
+              <a:rPr lang="en-US" dirty="0"/>
+              <a:t>CSV (comma-separated values)</a:t>
+            </a:r>
+          </a:p>
+          <a:p>
+            <a:r>
+              <a:rPr lang="en-US" dirty="0"/>
+              <a:t>If you get stuck, look at the documentation! It is pretty good.</a:t>
+            </a:r>
+          </a:p>
+          <a:p>
+            <a:pPr marL="274320" lvl="1" indent="0">
+              <a:buNone/>
+            </a:pPr>
+            <a:endParaRPr lang="en-US" dirty="0"/>
+          </a:p>
+        </p:txBody>
+      </p:sp>
+    </p:spTree>
+    <p:extLst>
+      <p:ext uri="{BB962C8B-B14F-4D97-AF65-F5344CB8AC3E}">
+        <p14:creationId xmlns:p14="http://schemas.microsoft.com/office/powerpoint/2010/main" val="2288650845"/>
+      </p:ext>
+    </p:extLst>
+  </p:cSld>
+  <p:clrMapOvr>
+    <a:masterClrMapping/>
+  </p:clrMapOvr>
+</p:sld>
+</file>
+
+<file path=ppt/slides/slide15.xml><?xml version="1.0" encoding="utf-8"?>
+<p:sld xmlns:a="http://schemas.openxmlformats.org/drawingml/2006/main" xmlns:r="http://schemas.openxmlformats.org/officeDocument/2006/relationships" xmlns:p="http://schemas.openxmlformats.org/presentationml/2006/main">
+  <p:cSld>
+    <p:spTree>
+      <p:nvGrpSpPr>
+        <p:cNvPr id="1" name=""/>
+        <p:cNvGrpSpPr/>
+        <p:nvPr/>
+      </p:nvGrpSpPr>
+      <p:grpSpPr>
+        <a:xfrm>
+          <a:off x="0" y="0"/>
+          <a:ext cx="0" cy="0"/>
+          <a:chOff x="0" y="0"/>
+          <a:chExt cx="0" cy="0"/>
+        </a:xfrm>
+      </p:grpSpPr>
+      <p:sp>
+        <p:nvSpPr>
+          <p:cNvPr id="2" name="Title 1">
+            <a:extLst>
+              <a:ext uri="{FF2B5EF4-FFF2-40B4-BE49-F238E27FC236}">
+                <a16:creationId xmlns:a16="http://schemas.microsoft.com/office/drawing/2014/main" id="{8D014836-CB2A-4FBD-817B-C087AD31EDFC}"/>
+              </a:ext>
+            </a:extLst>
+          </p:cNvPr>
+          <p:cNvSpPr>
+            <a:spLocks noGrp="1"/>
+          </p:cNvSpPr>
+          <p:nvPr>
+            <p:ph type="title"/>
+          </p:nvPr>
+        </p:nvSpPr>
+        <p:spPr/>
+        <p:txBody>
+          <a:bodyPr/>
+          <a:lstStyle/>
+          <a:p>
+            <a:r>
+              <a:rPr lang="en-US" dirty="0"/>
+              <a:t>Pandas exercise (10 minutes)</a:t>
+            </a:r>
+          </a:p>
+        </p:txBody>
+      </p:sp>
+      <p:sp>
+        <p:nvSpPr>
+          <p:cNvPr id="3" name="Content Placeholder 2">
+            <a:extLst>
+              <a:ext uri="{FF2B5EF4-FFF2-40B4-BE49-F238E27FC236}">
+                <a16:creationId xmlns:a16="http://schemas.microsoft.com/office/drawing/2014/main" id="{5D81BA77-472E-45A7-802C-7CB6E9388A24}"/>
+              </a:ext>
+            </a:extLst>
+          </p:cNvPr>
+          <p:cNvSpPr>
+            <a:spLocks noGrp="1"/>
+          </p:cNvSpPr>
+          <p:nvPr>
+            <p:ph idx="1"/>
+          </p:nvPr>
+        </p:nvSpPr>
+        <p:spPr/>
+        <p:txBody>
+          <a:bodyPr/>
+          <a:lstStyle/>
+          <a:p>
+            <a:r>
+              <a:rPr lang="en-US" dirty="0"/>
+              <a:t>Import the </a:t>
+            </a:r>
+            <a:r>
+              <a:rPr lang="en-US" dirty="0" err="1"/>
+              <a:t>Belize_Airbnb_listings</a:t>
+            </a:r>
+            <a:r>
+              <a:rPr lang="en-US" dirty="0"/>
+              <a:t> csv</a:t>
+            </a:r>
+          </a:p>
+          <a:p>
+            <a:r>
+              <a:rPr lang="en-US" dirty="0"/>
+              <a:t>Create a new </a:t>
+            </a:r>
+            <a:r>
+              <a:rPr lang="en-US" dirty="0" err="1"/>
+              <a:t>dataframe</a:t>
+            </a:r>
+            <a:r>
+              <a:rPr lang="en-US" dirty="0"/>
+              <a:t> that take the original dataset and groups the data by neighborhood and finds the average price, number of reviews, and availability_365</a:t>
+            </a:r>
+          </a:p>
+          <a:p>
+            <a:pPr lvl="1"/>
+            <a:r>
+              <a:rPr lang="en-US" dirty="0"/>
+              <a:t>In short, you’re looking for the average price, number of reviews, and availability per neighborhood.</a:t>
+            </a:r>
+          </a:p>
+          <a:p>
+            <a:pPr lvl="1"/>
+            <a:endParaRPr lang="en-US" dirty="0"/>
+          </a:p>
+          <a:p>
+            <a:pPr marL="274320" lvl="1" indent="0">
+              <a:buNone/>
+            </a:pPr>
+            <a:r>
+              <a:rPr lang="en-US" dirty="0"/>
+              <a:t>Think about what you should Google for if you’re stuck!</a:t>
+            </a:r>
+          </a:p>
+        </p:txBody>
+      </p:sp>
+    </p:spTree>
+    <p:extLst>
+      <p:ext uri="{BB962C8B-B14F-4D97-AF65-F5344CB8AC3E}">
+        <p14:creationId xmlns:p14="http://schemas.microsoft.com/office/powerpoint/2010/main" val="820484243"/>
+      </p:ext>
+    </p:extLst>
+  </p:cSld>
+  <p:clrMapOvr>
+    <a:masterClrMapping/>
+  </p:clrMapOvr>
+</p:sld>
+</file>
+
+<file path=ppt/slides/slide16.xml><?xml version="1.0" encoding="utf-8"?>
+<p:sld xmlns:a="http://schemas.openxmlformats.org/drawingml/2006/main" xmlns:r="http://schemas.openxmlformats.org/officeDocument/2006/relationships" xmlns:p="http://schemas.openxmlformats.org/presentationml/2006/main">
+  <p:cSld>
+    <p:spTree>
+      <p:nvGrpSpPr>
+        <p:cNvPr id="1" name=""/>
+        <p:cNvGrpSpPr/>
+        <p:nvPr/>
+      </p:nvGrpSpPr>
+      <p:grpSpPr>
+        <a:xfrm>
+          <a:off x="0" y="0"/>
+          <a:ext cx="0" cy="0"/>
+          <a:chOff x="0" y="0"/>
+          <a:chExt cx="0" cy="0"/>
+        </a:xfrm>
+      </p:grpSpPr>
+      <p:sp>
+        <p:nvSpPr>
+          <p:cNvPr id="2" name="Title 1">
+            <a:extLst>
+              <a:ext uri="{FF2B5EF4-FFF2-40B4-BE49-F238E27FC236}">
+                <a16:creationId xmlns:a16="http://schemas.microsoft.com/office/drawing/2014/main" id="{D94B9B71-08C0-4D02-BE20-ED19E3A3E388}"/>
+              </a:ext>
+            </a:extLst>
+          </p:cNvPr>
+          <p:cNvSpPr>
+            <a:spLocks noGrp="1"/>
+          </p:cNvSpPr>
+          <p:nvPr>
+            <p:ph type="title"/>
+          </p:nvPr>
+        </p:nvSpPr>
+        <p:spPr/>
+        <p:txBody>
+          <a:bodyPr/>
+          <a:lstStyle/>
+          <a:p>
+            <a:r>
+              <a:rPr lang="en-US"/>
+              <a:t>Survival Guide</a:t>
+            </a:r>
+          </a:p>
+        </p:txBody>
+      </p:sp>
+      <p:sp>
+        <p:nvSpPr>
+          <p:cNvPr id="3" name="Content Placeholder 2">
+            <a:extLst>
+              <a:ext uri="{FF2B5EF4-FFF2-40B4-BE49-F238E27FC236}">
+                <a16:creationId xmlns:a16="http://schemas.microsoft.com/office/drawing/2014/main" id="{08331B47-5309-4035-8EA1-269697DBA0C8}"/>
+              </a:ext>
+            </a:extLst>
+          </p:cNvPr>
+          <p:cNvSpPr>
+            <a:spLocks noGrp="1"/>
+          </p:cNvSpPr>
+          <p:nvPr>
+            <p:ph idx="1"/>
+          </p:nvPr>
+        </p:nvSpPr>
+        <p:spPr/>
+        <p:txBody>
+          <a:bodyPr vert="horz" lIns="91440" tIns="45720" rIns="91440" bIns="45720" rtlCol="0" anchor="t">
+            <a:normAutofit/>
+          </a:bodyPr>
+          <a:lstStyle/>
+          <a:p>
+            <a:r>
+              <a:rPr lang="en-US" dirty="0"/>
+              <a:t>Intro</a:t>
+            </a:r>
+          </a:p>
+          <a:p>
+            <a:r>
+              <a:rPr lang="en-US" dirty="0"/>
+              <a:t>Did anyone find value in this? </a:t>
+            </a:r>
+          </a:p>
+          <a:p>
+            <a:pPr lvl="1">
+              <a:buFont typeface="Arial" pitchFamily="18" charset="2"/>
+              <a:buChar char="•"/>
+            </a:pPr>
+            <a:r>
+              <a:rPr lang="en-US" spc="10" dirty="0"/>
+              <a:t>Comments, questions?</a:t>
+            </a:r>
+          </a:p>
+          <a:p>
+            <a:pPr>
+              <a:buFont typeface="Arial" pitchFamily="18" charset="2"/>
+              <a:buChar char="•"/>
+            </a:pPr>
+            <a:r>
+              <a:rPr lang="en-US" dirty="0"/>
+              <a:t>Learning How to Learn and Deep Work</a:t>
+            </a:r>
+          </a:p>
+          <a:p>
+            <a:pPr>
+              <a:buFont typeface="Arial" pitchFamily="18" charset="2"/>
+              <a:buChar char="•"/>
+            </a:pPr>
+            <a:endParaRPr lang="en-US"/>
+          </a:p>
+        </p:txBody>
+      </p:sp>
+    </p:spTree>
+    <p:extLst>
+      <p:ext uri="{BB962C8B-B14F-4D97-AF65-F5344CB8AC3E}">
+        <p14:creationId xmlns:p14="http://schemas.microsoft.com/office/powerpoint/2010/main" val="870379013"/>
+      </p:ext>
+    </p:extLst>
+  </p:cSld>
+  <p:clrMapOvr>
+    <a:masterClrMapping/>
+  </p:clrMapOvr>
+</p:sld>
+</file>
+
+<file path=ppt/slides/slide17.xml><?xml version="1.0" encoding="utf-8"?>
+<p:sld xmlns:a="http://schemas.openxmlformats.org/drawingml/2006/main" xmlns:r="http://schemas.openxmlformats.org/officeDocument/2006/relationships" xmlns:p="http://schemas.openxmlformats.org/presentationml/2006/main">
+  <p:cSld>
+    <p:spTree>
+      <p:nvGrpSpPr>
+        <p:cNvPr id="1" name=""/>
+        <p:cNvGrpSpPr/>
+        <p:nvPr/>
+      </p:nvGrpSpPr>
+      <p:grpSpPr>
+        <a:xfrm>
+          <a:off x="0" y="0"/>
+          <a:ext cx="0" cy="0"/>
+          <a:chOff x="0" y="0"/>
+          <a:chExt cx="0" cy="0"/>
+        </a:xfrm>
+      </p:grpSpPr>
+      <p:sp>
+        <p:nvSpPr>
+          <p:cNvPr id="2" name="Title 1">
+            <a:extLst>
+              <a:ext uri="{FF2B5EF4-FFF2-40B4-BE49-F238E27FC236}">
+                <a16:creationId xmlns:a16="http://schemas.microsoft.com/office/drawing/2014/main" id="{1E4C2A9E-C0F4-4E0F-AFFE-27A0CF3625B5}"/>
+              </a:ext>
+            </a:extLst>
+          </p:cNvPr>
+          <p:cNvSpPr>
+            <a:spLocks noGrp="1"/>
+          </p:cNvSpPr>
+          <p:nvPr>
+            <p:ph type="title"/>
+          </p:nvPr>
+        </p:nvSpPr>
+        <p:spPr/>
+        <p:txBody>
+          <a:bodyPr/>
+          <a:lstStyle/>
+          <a:p>
+            <a:r>
+              <a:rPr lang="en-US" dirty="0"/>
+              <a:t>Week 3 Group Exercise</a:t>
+            </a:r>
+          </a:p>
+        </p:txBody>
+      </p:sp>
+      <p:sp>
+        <p:nvSpPr>
+          <p:cNvPr id="3" name="Content Placeholder 2">
+            <a:extLst>
+              <a:ext uri="{FF2B5EF4-FFF2-40B4-BE49-F238E27FC236}">
+                <a16:creationId xmlns:a16="http://schemas.microsoft.com/office/drawing/2014/main" id="{D327E97E-AE1B-400B-A18F-C9C7C854DCEB}"/>
+              </a:ext>
+            </a:extLst>
+          </p:cNvPr>
+          <p:cNvSpPr>
+            <a:spLocks noGrp="1"/>
+          </p:cNvSpPr>
+          <p:nvPr>
+            <p:ph idx="1"/>
+          </p:nvPr>
+        </p:nvSpPr>
+        <p:spPr/>
+        <p:txBody>
+          <a:bodyPr vert="horz" lIns="91440" tIns="45720" rIns="91440" bIns="45720" rtlCol="0" anchor="t">
+            <a:normAutofit/>
+          </a:bodyPr>
+          <a:lstStyle/>
+          <a:p>
+            <a:r>
+              <a:rPr lang="en-US" spc="0" dirty="0"/>
+              <a:t>If you are logged in to Zoom with your email you use to login to Canvas, you should be automatically put in the right room. </a:t>
+            </a:r>
+          </a:p>
+        </p:txBody>
+      </p:sp>
+    </p:spTree>
+    <p:extLst>
+      <p:ext uri="{BB962C8B-B14F-4D97-AF65-F5344CB8AC3E}">
+        <p14:creationId xmlns:p14="http://schemas.microsoft.com/office/powerpoint/2010/main" val="656484464"/>
+      </p:ext>
+    </p:extLst>
+  </p:cSld>
+  <p:clrMapOvr>
+    <a:masterClrMapping/>
+  </p:clrMapOvr>
+</p:sld>
+</file>
+
 <file path=ppt/slides/slide2.xml><?xml version="1.0" encoding="utf-8"?>
 <p:sld xmlns:a="http://schemas.openxmlformats.org/drawingml/2006/main" xmlns:r="http://schemas.openxmlformats.org/officeDocument/2006/relationships" xmlns:p="http://schemas.openxmlformats.org/presentationml/2006/main">
   <p:cSld>
@@ -6035,16 +7278,6 @@
               <a:buFont typeface="+mj-lt"/>
               <a:buAutoNum type="arabicPeriod"/>
             </a:pPr>
-            <a:r>
-              <a:rPr lang="en-US" dirty="0"/>
-              <a:t>Array Broadcasting</a:t>
-            </a:r>
-          </a:p>
-          <a:p>
-            <a:pPr marL="514350" indent="-514350">
-              <a:buFont typeface="+mj-lt"/>
-              <a:buAutoNum type="arabicPeriod"/>
-            </a:pPr>
             <a:endParaRPr lang="en-US" dirty="0"/>
           </a:p>
           <a:p>
@@ -6121,10 +7354,10 @@
       </p:grpSpPr>
       <p:sp>
         <p:nvSpPr>
-          <p:cNvPr id="4" name="Title 3">
+          <p:cNvPr id="2" name="Title 1">
             <a:extLst>
               <a:ext uri="{FF2B5EF4-FFF2-40B4-BE49-F238E27FC236}">
-                <a16:creationId xmlns:a16="http://schemas.microsoft.com/office/drawing/2014/main" id="{297BDE90-8DCF-4039-AB05-11C3F09C3813}"/>
+                <a16:creationId xmlns:a16="http://schemas.microsoft.com/office/drawing/2014/main" id="{329B280E-624C-472D-A44B-C9D553FEE79C}"/>
               </a:ext>
             </a:extLst>
           </p:cNvPr>
@@ -6132,7 +7365,7 @@
             <a:spLocks noGrp="1"/>
           </p:cNvSpPr>
           <p:nvPr>
-            <p:ph type="ctrTitle"/>
+            <p:ph type="title"/>
           </p:nvPr>
         </p:nvSpPr>
         <p:spPr/>
@@ -6142,17 +7375,17 @@
           <a:p>
             <a:r>
               <a:rPr lang="en-US" dirty="0"/>
-              <a:t>Break (15 Minutes)</a:t>
-            </a:r>
-          </a:p>
-        </p:txBody>
-      </p:sp>
-      <p:sp>
-        <p:nvSpPr>
-          <p:cNvPr id="5" name="Subtitle 4">
+              <a:t>Shaping</a:t>
+            </a:r>
+          </a:p>
+        </p:txBody>
+      </p:sp>
+      <p:sp>
+        <p:nvSpPr>
+          <p:cNvPr id="3" name="Content Placeholder 2">
             <a:extLst>
               <a:ext uri="{FF2B5EF4-FFF2-40B4-BE49-F238E27FC236}">
-                <a16:creationId xmlns:a16="http://schemas.microsoft.com/office/drawing/2014/main" id="{AE43AD4D-53BE-4D90-B4EE-A313556AC5A9}"/>
+                <a16:creationId xmlns:a16="http://schemas.microsoft.com/office/drawing/2014/main" id="{BFCD03DC-D93C-44FF-8EE4-91BB92EED889}"/>
               </a:ext>
             </a:extLst>
           </p:cNvPr>
@@ -6160,38 +7393,181 @@
             <a:spLocks noGrp="1"/>
           </p:cNvSpPr>
           <p:nvPr>
-            <p:ph type="subTitle" idx="1"/>
-          </p:nvPr>
-        </p:nvSpPr>
-        <p:spPr/>
+            <p:ph idx="1"/>
+          </p:nvPr>
+        </p:nvSpPr>
+        <p:spPr>
+          <a:xfrm>
+            <a:off x="1261871" y="1828800"/>
+            <a:ext cx="9235067" cy="4351337"/>
+          </a:xfrm>
+        </p:spPr>
         <p:txBody>
           <a:bodyPr/>
           <a:lstStyle/>
           <a:p>
-            <a:r>
-              <a:rPr lang="en-US" dirty="0"/>
-              <a:t>Attendance word: </a:t>
-            </a:r>
-            <a:r>
-              <a:rPr lang="en-US" b="1" i="0" dirty="0" err="1">
-                <a:solidFill>
-                  <a:schemeClr val="tx1"/>
-                </a:solidFill>
-                <a:effectLst/>
-                <a:latin typeface="Slack-Lato"/>
+            <a:pPr marL="0" indent="0">
+              <a:buNone/>
+            </a:pPr>
+            <a:r>
+              <a:rPr lang="en-US" dirty="0">
+                <a:latin typeface="Courier New" panose="02070309020205020404" pitchFamily="49" charset="0"/>
+                <a:cs typeface="Courier New" panose="02070309020205020404" pitchFamily="49" charset="0"/>
               </a:rPr>
-              <a:t>SoftwareStar</a:t>
-            </a:r>
-            <a:r>
-              <a:rPr lang="en-US" b="1" i="0" dirty="0">
-                <a:solidFill>
-                  <a:srgbClr val="1D1C1D"/>
-                </a:solidFill>
-                <a:effectLst/>
-                <a:latin typeface="Slack-Lato"/>
+              <a:t>a = </a:t>
+            </a:r>
+            <a:r>
+              <a:rPr lang="en-US" dirty="0" err="1">
+                <a:latin typeface="Courier New" panose="02070309020205020404" pitchFamily="49" charset="0"/>
+                <a:cs typeface="Courier New" panose="02070309020205020404" pitchFamily="49" charset="0"/>
               </a:rPr>
-              <a:t> </a:t>
-            </a:r>
+              <a:t>np.array</a:t>
+            </a:r>
+            <a:r>
+              <a:rPr lang="en-US" dirty="0">
+                <a:latin typeface="Courier New" panose="02070309020205020404" pitchFamily="49" charset="0"/>
+                <a:cs typeface="Courier New" panose="02070309020205020404" pitchFamily="49" charset="0"/>
+              </a:rPr>
+              <a:t>([1,2,3,4,5,6])</a:t>
+            </a:r>
+          </a:p>
+          <a:p>
+            <a:pPr marL="0" indent="0">
+              <a:buNone/>
+            </a:pPr>
+            <a:r>
+              <a:rPr lang="en-US" dirty="0">
+                <a:latin typeface="Courier New" panose="02070309020205020404" pitchFamily="49" charset="0"/>
+                <a:cs typeface="Courier New" panose="02070309020205020404" pitchFamily="49" charset="0"/>
+              </a:rPr>
+              <a:t>a = </a:t>
+            </a:r>
+            <a:r>
+              <a:rPr lang="en-US" dirty="0" err="1">
+                <a:latin typeface="Courier New" panose="02070309020205020404" pitchFamily="49" charset="0"/>
+                <a:cs typeface="Courier New" panose="02070309020205020404" pitchFamily="49" charset="0"/>
+              </a:rPr>
+              <a:t>a.reshape</a:t>
+            </a:r>
+            <a:r>
+              <a:rPr lang="en-US" dirty="0">
+                <a:latin typeface="Courier New" panose="02070309020205020404" pitchFamily="49" charset="0"/>
+                <a:cs typeface="Courier New" panose="02070309020205020404" pitchFamily="49" charset="0"/>
+              </a:rPr>
+              <a:t>(3,2)</a:t>
+            </a:r>
+          </a:p>
+          <a:p>
+            <a:pPr marL="0" indent="0">
+              <a:buNone/>
+            </a:pPr>
+            <a:r>
+              <a:rPr lang="en-US" dirty="0">
+                <a:latin typeface="Courier New" panose="02070309020205020404" pitchFamily="49" charset="0"/>
+                <a:cs typeface="Courier New" panose="02070309020205020404" pitchFamily="49" charset="0"/>
+              </a:rPr>
+              <a:t>a = </a:t>
+            </a:r>
+            <a:r>
+              <a:rPr lang="en-US" dirty="0" err="1">
+                <a:latin typeface="Courier New" panose="02070309020205020404" pitchFamily="49" charset="0"/>
+                <a:cs typeface="Courier New" panose="02070309020205020404" pitchFamily="49" charset="0"/>
+              </a:rPr>
+              <a:t>a.reshape</a:t>
+            </a:r>
+            <a:r>
+              <a:rPr lang="en-US" dirty="0">
+                <a:latin typeface="Courier New" panose="02070309020205020404" pitchFamily="49" charset="0"/>
+                <a:cs typeface="Courier New" panose="02070309020205020404" pitchFamily="49" charset="0"/>
+              </a:rPr>
+              <a:t>(2,-1)</a:t>
+            </a:r>
+          </a:p>
+          <a:p>
+            <a:pPr marL="0" indent="0">
+              <a:buNone/>
+            </a:pPr>
+            <a:r>
+              <a:rPr lang="en-US" dirty="0">
+                <a:latin typeface="Courier New" panose="02070309020205020404" pitchFamily="49" charset="0"/>
+                <a:cs typeface="Courier New" panose="02070309020205020404" pitchFamily="49" charset="0"/>
+              </a:rPr>
+              <a:t>a = </a:t>
+            </a:r>
+            <a:r>
+              <a:rPr lang="en-US" dirty="0" err="1">
+                <a:latin typeface="Courier New" panose="02070309020205020404" pitchFamily="49" charset="0"/>
+                <a:cs typeface="Courier New" panose="02070309020205020404" pitchFamily="49" charset="0"/>
+              </a:rPr>
+              <a:t>a.ravel</a:t>
+            </a:r>
+            <a:r>
+              <a:rPr lang="en-US" dirty="0">
+                <a:latin typeface="Courier New" panose="02070309020205020404" pitchFamily="49" charset="0"/>
+                <a:cs typeface="Courier New" panose="02070309020205020404" pitchFamily="49" charset="0"/>
+              </a:rPr>
+              <a:t>()</a:t>
+            </a:r>
+          </a:p>
+          <a:p>
+            <a:pPr marL="514350" indent="-514350">
+              <a:buFont typeface="+mj-lt"/>
+              <a:buAutoNum type="arabicPeriod"/>
+            </a:pPr>
+            <a:r>
+              <a:rPr lang="en-US" dirty="0"/>
+              <a:t>Total number of elements cannot change.</a:t>
+            </a:r>
+          </a:p>
+          <a:p>
+            <a:pPr marL="514350" indent="-514350">
+              <a:buFont typeface="+mj-lt"/>
+              <a:buAutoNum type="arabicPeriod"/>
+            </a:pPr>
+            <a:r>
+              <a:rPr lang="en-US" dirty="0"/>
+              <a:t>Use -1 to infer axis shape</a:t>
+            </a:r>
+          </a:p>
+          <a:p>
+            <a:pPr marL="514350" indent="-514350">
+              <a:buFont typeface="+mj-lt"/>
+              <a:buAutoNum type="arabicPeriod"/>
+            </a:pPr>
+            <a:r>
+              <a:rPr lang="en-US" dirty="0"/>
+              <a:t>Row-major by</a:t>
+            </a:r>
+          </a:p>
+        </p:txBody>
+      </p:sp>
+      <p:sp>
+        <p:nvSpPr>
+          <p:cNvPr id="5" name="Slide Number Placeholder 4">
+            <a:extLst>
+              <a:ext uri="{FF2B5EF4-FFF2-40B4-BE49-F238E27FC236}">
+                <a16:creationId xmlns:a16="http://schemas.microsoft.com/office/drawing/2014/main" id="{3B50F944-BFC9-488F-9A3B-65D19B301B98}"/>
+              </a:ext>
+            </a:extLst>
+          </p:cNvPr>
+          <p:cNvSpPr>
+            <a:spLocks noGrp="1"/>
+          </p:cNvSpPr>
+          <p:nvPr>
+            <p:ph type="sldNum" sz="quarter" idx="12"/>
+          </p:nvPr>
+        </p:nvSpPr>
+        <p:spPr/>
+        <p:txBody>
+          <a:bodyPr>
+            <a:normAutofit lnSpcReduction="10000"/>
+          </a:bodyPr>
+          <a:lstStyle/>
+          <a:p>
+            <a:fld id="{4FAB73BC-B049-4115-A692-8D63A059BFB8}" type="slidenum">
+              <a:rPr lang="en-US" smtClean="0"/>
+              <a:t>7</a:t>
+            </a:fld>
             <a:endParaRPr lang="en-US" dirty="0"/>
           </a:p>
         </p:txBody>
@@ -6199,7 +7575,7 @@
     </p:spTree>
     <p:extLst>
       <p:ext uri="{BB962C8B-B14F-4D97-AF65-F5344CB8AC3E}">
-        <p14:creationId xmlns:p14="http://schemas.microsoft.com/office/powerpoint/2010/main" val="3877287137"/>
+        <p14:creationId xmlns:p14="http://schemas.microsoft.com/office/powerpoint/2010/main" val="2512537760"/>
       </p:ext>
     </p:extLst>
   </p:cSld>
@@ -6231,7 +7607,7 @@
           <p:cNvPr id="2" name="Title 1">
             <a:extLst>
               <a:ext uri="{FF2B5EF4-FFF2-40B4-BE49-F238E27FC236}">
-                <a16:creationId xmlns:a16="http://schemas.microsoft.com/office/drawing/2014/main" id="{D94B9B71-08C0-4D02-BE20-ED19E3A3E388}"/>
+                <a16:creationId xmlns:a16="http://schemas.microsoft.com/office/drawing/2014/main" id="{86F60D98-DD27-4ACB-A354-CE3E9AC03B0B}"/>
               </a:ext>
             </a:extLst>
           </p:cNvPr>
@@ -6248,8 +7624,8 @@
           <a:lstStyle/>
           <a:p>
             <a:r>
-              <a:rPr lang="en-US"/>
-              <a:t>Survival Guide</a:t>
+              <a:rPr lang="en-US" dirty="0"/>
+              <a:t>Transposition</a:t>
             </a:r>
           </a:p>
         </p:txBody>
@@ -6259,7 +7635,7 @@
           <p:cNvPr id="3" name="Content Placeholder 2">
             <a:extLst>
               <a:ext uri="{FF2B5EF4-FFF2-40B4-BE49-F238E27FC236}">
-                <a16:creationId xmlns:a16="http://schemas.microsoft.com/office/drawing/2014/main" id="{08331B47-5309-4035-8EA1-269697DBA0C8}"/>
+                <a16:creationId xmlns:a16="http://schemas.microsoft.com/office/drawing/2014/main" id="{9DACA501-3E9A-4215-B15A-E787209F5531}"/>
               </a:ext>
             </a:extLst>
           </p:cNvPr>
@@ -6272,55 +7648,157 @@
         </p:nvSpPr>
         <p:spPr/>
         <p:txBody>
-          <a:bodyPr vert="horz" lIns="91440" tIns="45720" rIns="91440" bIns="45720" rtlCol="0" anchor="t">
+          <a:bodyPr>
             <a:normAutofit/>
           </a:bodyPr>
           <a:lstStyle/>
           <a:p>
-            <a:r>
-              <a:rPr lang="en-US" dirty="0"/>
-              <a:t>Intro</a:t>
-            </a:r>
-          </a:p>
-          <a:p>
-            <a:r>
-              <a:rPr lang="en-US" dirty="0"/>
-              <a:t>Did anyone find value in this? </a:t>
-            </a:r>
-          </a:p>
-          <a:p>
-            <a:pPr lvl="1">
-              <a:buFont typeface="Arial" pitchFamily="18" charset="2"/>
-              <a:buChar char="•"/>
+            <a:pPr marL="0" indent="0">
+              <a:buNone/>
             </a:pPr>
             <a:r>
-              <a:rPr lang="en-US" spc="10" dirty="0"/>
-              <a:t>Comments, questions?</a:t>
-            </a:r>
-          </a:p>
-          <a:p>
-            <a:pPr>
-              <a:buFont typeface="Arial" pitchFamily="18" charset="2"/>
-              <a:buChar char="•"/>
+              <a:rPr lang="en-US" dirty="0">
+                <a:latin typeface="Courier New" panose="02070309020205020404" pitchFamily="49" charset="0"/>
+                <a:cs typeface="Courier New" panose="02070309020205020404" pitchFamily="49" charset="0"/>
+              </a:rPr>
+              <a:t>a = </a:t>
+            </a:r>
+            <a:r>
+              <a:rPr lang="en-US" dirty="0" err="1">
+                <a:latin typeface="Courier New" panose="02070309020205020404" pitchFamily="49" charset="0"/>
+                <a:cs typeface="Courier New" panose="02070309020205020404" pitchFamily="49" charset="0"/>
+              </a:rPr>
+              <a:t>np.arange</a:t>
+            </a:r>
+            <a:r>
+              <a:rPr lang="en-US" dirty="0">
+                <a:latin typeface="Courier New" panose="02070309020205020404" pitchFamily="49" charset="0"/>
+                <a:cs typeface="Courier New" panose="02070309020205020404" pitchFamily="49" charset="0"/>
+              </a:rPr>
+              <a:t>(10).reshape(5,2) </a:t>
+            </a:r>
+          </a:p>
+          <a:p>
+            <a:pPr marL="0" indent="0">
+              <a:buNone/>
             </a:pPr>
             <a:r>
-              <a:rPr lang="en-US" dirty="0"/>
-              <a:t>Learning How to Learn and Deep Work</a:t>
-            </a:r>
-          </a:p>
-          <a:p>
-            <a:pPr>
-              <a:buFont typeface="Arial" pitchFamily="18" charset="2"/>
-              <a:buChar char="•"/>
+              <a:rPr lang="en-US" dirty="0">
+                <a:latin typeface="Courier New" panose="02070309020205020404" pitchFamily="49" charset="0"/>
+                <a:cs typeface="Courier New" panose="02070309020205020404" pitchFamily="49" charset="0"/>
+              </a:rPr>
+              <a:t>a = </a:t>
+            </a:r>
+            <a:r>
+              <a:rPr lang="en-US" dirty="0" err="1">
+                <a:latin typeface="Courier New" panose="02070309020205020404" pitchFamily="49" charset="0"/>
+                <a:cs typeface="Courier New" panose="02070309020205020404" pitchFamily="49" charset="0"/>
+              </a:rPr>
+              <a:t>a.T</a:t>
+            </a:r>
+            <a:r>
+              <a:rPr lang="en-US" dirty="0">
+                <a:latin typeface="Courier New" panose="02070309020205020404" pitchFamily="49" charset="0"/>
+                <a:cs typeface="Courier New" panose="02070309020205020404" pitchFamily="49" charset="0"/>
+              </a:rPr>
+              <a:t> </a:t>
+            </a:r>
+          </a:p>
+          <a:p>
+            <a:pPr marL="0" indent="0">
+              <a:buNone/>
             </a:pPr>
-            <a:endParaRPr lang="en-US"/>
+            <a:r>
+              <a:rPr lang="en-US" dirty="0">
+                <a:latin typeface="Courier New" panose="02070309020205020404" pitchFamily="49" charset="0"/>
+                <a:cs typeface="Courier New" panose="02070309020205020404" pitchFamily="49" charset="0"/>
+              </a:rPr>
+              <a:t>a = </a:t>
+            </a:r>
+            <a:r>
+              <a:rPr lang="en-US" dirty="0" err="1">
+                <a:latin typeface="Courier New" panose="02070309020205020404" pitchFamily="49" charset="0"/>
+                <a:cs typeface="Courier New" panose="02070309020205020404" pitchFamily="49" charset="0"/>
+              </a:rPr>
+              <a:t>a.transpose</a:t>
+            </a:r>
+            <a:r>
+              <a:rPr lang="en-US" dirty="0">
+                <a:latin typeface="Courier New" panose="02070309020205020404" pitchFamily="49" charset="0"/>
+                <a:cs typeface="Courier New" panose="02070309020205020404" pitchFamily="49" charset="0"/>
+              </a:rPr>
+              <a:t>((1,0)) </a:t>
+            </a:r>
+          </a:p>
+          <a:p>
+            <a:pPr marL="0" indent="0">
+              <a:buNone/>
+            </a:pPr>
+            <a:endParaRPr lang="en-US" dirty="0"/>
+          </a:p>
+          <a:p>
+            <a:pPr marL="0" indent="0">
+              <a:buNone/>
+            </a:pPr>
+            <a:r>
+              <a:rPr lang="en-US" dirty="0" err="1"/>
+              <a:t>np.transpose</a:t>
+            </a:r>
+            <a:r>
+              <a:rPr lang="en-US" dirty="0"/>
+              <a:t> permutes axes.</a:t>
+            </a:r>
+          </a:p>
+          <a:p>
+            <a:pPr marL="0" indent="0">
+              <a:buNone/>
+            </a:pPr>
+            <a:r>
+              <a:rPr lang="en-US" dirty="0" err="1"/>
+              <a:t>a.T</a:t>
+            </a:r>
+            <a:r>
+              <a:rPr lang="en-US" dirty="0"/>
+              <a:t> transposes the first two axes.</a:t>
+            </a:r>
+          </a:p>
+        </p:txBody>
+      </p:sp>
+      <p:sp>
+        <p:nvSpPr>
+          <p:cNvPr id="4" name="Slide Number Placeholder 3">
+            <a:extLst>
+              <a:ext uri="{FF2B5EF4-FFF2-40B4-BE49-F238E27FC236}">
+                <a16:creationId xmlns:a16="http://schemas.microsoft.com/office/drawing/2014/main" id="{3DD6EDE9-F5EC-47DA-B6AE-942707709AE4}"/>
+              </a:ext>
+            </a:extLst>
+          </p:cNvPr>
+          <p:cNvSpPr>
+            <a:spLocks noGrp="1"/>
+          </p:cNvSpPr>
+          <p:nvPr>
+            <p:ph type="sldNum" sz="quarter" idx="12"/>
+          </p:nvPr>
+        </p:nvSpPr>
+        <p:spPr/>
+        <p:txBody>
+          <a:bodyPr>
+            <a:normAutofit lnSpcReduction="10000"/>
+          </a:bodyPr>
+          <a:lstStyle/>
+          <a:p>
+            <a:fld id="{4FAB73BC-B049-4115-A692-8D63A059BFB8}" type="slidenum">
+              <a:rPr lang="en-US" smtClean="0"/>
+              <a:t>8</a:t>
+            </a:fld>
+            <a:endParaRPr lang="en-US" dirty="0"/>
           </a:p>
         </p:txBody>
       </p:sp>
     </p:spTree>
     <p:extLst>
       <p:ext uri="{BB962C8B-B14F-4D97-AF65-F5344CB8AC3E}">
-        <p14:creationId xmlns:p14="http://schemas.microsoft.com/office/powerpoint/2010/main" val="870379013"/>
+        <p14:creationId xmlns:p14="http://schemas.microsoft.com/office/powerpoint/2010/main" val="1355263528"/>
       </p:ext>
     </p:extLst>
   </p:cSld>
@@ -6352,7 +7830,7 @@
           <p:cNvPr id="2" name="Title 1">
             <a:extLst>
               <a:ext uri="{FF2B5EF4-FFF2-40B4-BE49-F238E27FC236}">
-                <a16:creationId xmlns:a16="http://schemas.microsoft.com/office/drawing/2014/main" id="{1E4C2A9E-C0F4-4E0F-AFFE-27A0CF3625B5}"/>
+                <a16:creationId xmlns:a16="http://schemas.microsoft.com/office/drawing/2014/main" id="{99262955-94F5-41E5-8028-CC785B438DF0}"/>
               </a:ext>
             </a:extLst>
           </p:cNvPr>
@@ -6370,7 +7848,7 @@
           <a:p>
             <a:r>
               <a:rPr lang="en-US" dirty="0"/>
-              <a:t>Week 3 Group Exercise</a:t>
+              <a:t>Math, universal functions</a:t>
             </a:r>
           </a:p>
         </p:txBody>
@@ -6380,7 +7858,7 @@
           <p:cNvPr id="3" name="Content Placeholder 2">
             <a:extLst>
               <a:ext uri="{FF2B5EF4-FFF2-40B4-BE49-F238E27FC236}">
-                <a16:creationId xmlns:a16="http://schemas.microsoft.com/office/drawing/2014/main" id="{D327E97E-AE1B-400B-A18F-C9C7C854DCEB}"/>
+                <a16:creationId xmlns:a16="http://schemas.microsoft.com/office/drawing/2014/main" id="{E3D180DA-1E40-4761-A5C5-2CAE24C04AE9}"/>
               </a:ext>
             </a:extLst>
           </p:cNvPr>
@@ -6393,22 +7871,168 @@
         </p:nvSpPr>
         <p:spPr/>
         <p:txBody>
-          <a:bodyPr vert="horz" lIns="91440" tIns="45720" rIns="91440" bIns="45720" rtlCol="0" anchor="t">
-            <a:normAutofit/>
+          <a:bodyPr/>
+          <a:lstStyle/>
+          <a:p>
+            <a:pPr marL="0" indent="0">
+              <a:buNone/>
+            </a:pPr>
+            <a:r>
+              <a:rPr lang="en-US" dirty="0"/>
+              <a:t>Also called </a:t>
+            </a:r>
+            <a:r>
+              <a:rPr lang="en-US" dirty="0" err="1"/>
+              <a:t>ufuncs</a:t>
+            </a:r>
+            <a:endParaRPr lang="en-US" dirty="0"/>
+          </a:p>
+          <a:p>
+            <a:pPr marL="0" indent="0">
+              <a:buNone/>
+            </a:pPr>
+            <a:r>
+              <a:rPr lang="en-US" dirty="0"/>
+              <a:t>Element-wise</a:t>
+            </a:r>
+          </a:p>
+          <a:p>
+            <a:pPr marL="0" indent="0">
+              <a:buNone/>
+            </a:pPr>
+            <a:r>
+              <a:rPr lang="en-US" dirty="0"/>
+              <a:t>Examples:</a:t>
+            </a:r>
+          </a:p>
+          <a:p>
+            <a:pPr lvl="1"/>
+            <a:r>
+              <a:rPr lang="en-US" dirty="0" err="1"/>
+              <a:t>np.exp</a:t>
+            </a:r>
+            <a:endParaRPr lang="en-US" dirty="0"/>
+          </a:p>
+          <a:p>
+            <a:pPr lvl="1"/>
+            <a:r>
+              <a:rPr lang="en-US" dirty="0" err="1"/>
+              <a:t>np.sqrt</a:t>
+            </a:r>
+            <a:endParaRPr lang="en-US" dirty="0"/>
+          </a:p>
+          <a:p>
+            <a:pPr lvl="1"/>
+            <a:r>
+              <a:rPr lang="en-US" dirty="0" err="1"/>
+              <a:t>np.sin</a:t>
+            </a:r>
+            <a:endParaRPr lang="en-US" dirty="0"/>
+          </a:p>
+          <a:p>
+            <a:pPr lvl="1"/>
+            <a:r>
+              <a:rPr lang="en-US" dirty="0" err="1"/>
+              <a:t>np.cos</a:t>
+            </a:r>
+            <a:endParaRPr lang="en-US" dirty="0"/>
+          </a:p>
+          <a:p>
+            <a:pPr lvl="1"/>
+            <a:r>
+              <a:rPr lang="en-US" dirty="0" err="1"/>
+              <a:t>np.isnan</a:t>
+            </a:r>
+            <a:endParaRPr lang="en-US" dirty="0"/>
+          </a:p>
+          <a:p>
+            <a:pPr lvl="1"/>
+            <a:endParaRPr lang="en-US" dirty="0"/>
+          </a:p>
+        </p:txBody>
+      </p:sp>
+      <p:sp>
+        <p:nvSpPr>
+          <p:cNvPr id="4" name="Slide Number Placeholder 3">
+            <a:extLst>
+              <a:ext uri="{FF2B5EF4-FFF2-40B4-BE49-F238E27FC236}">
+                <a16:creationId xmlns:a16="http://schemas.microsoft.com/office/drawing/2014/main" id="{1D71EE73-906F-4E48-A791-795B9DD2F6B6}"/>
+              </a:ext>
+            </a:extLst>
+          </p:cNvPr>
+          <p:cNvSpPr>
+            <a:spLocks noGrp="1"/>
+          </p:cNvSpPr>
+          <p:nvPr>
+            <p:ph type="sldNum" sz="quarter" idx="12"/>
+          </p:nvPr>
+        </p:nvSpPr>
+        <p:spPr/>
+        <p:txBody>
+          <a:bodyPr>
+            <a:normAutofit lnSpcReduction="10000"/>
           </a:bodyPr>
           <a:lstStyle/>
           <a:p>
-            <a:r>
-              <a:rPr lang="en-US" spc="0" dirty="0"/>
-              <a:t>If you are logged in to Zoom with your email you use to login to Canvas, you should be automatically put in the right room. </a:t>
-            </a:r>
-          </a:p>
-        </p:txBody>
-      </p:sp>
+            <a:fld id="{4FAB73BC-B049-4115-A692-8D63A059BFB8}" type="slidenum">
+              <a:rPr lang="en-US" smtClean="0"/>
+              <a:t>9</a:t>
+            </a:fld>
+            <a:endParaRPr lang="en-US" dirty="0"/>
+          </a:p>
+        </p:txBody>
+      </p:sp>
+      <p:pic>
+        <p:nvPicPr>
+          <p:cNvPr id="8196" name="Picture 4" descr="https://i.gyazo.com/3c8048a319756e9d63a33dfc2a734f9b.png">
+            <a:extLst>
+              <a:ext uri="{FF2B5EF4-FFF2-40B4-BE49-F238E27FC236}">
+                <a16:creationId xmlns:a16="http://schemas.microsoft.com/office/drawing/2014/main" id="{9A891E8F-E138-44A8-8ABA-46E703819137}"/>
+              </a:ext>
+            </a:extLst>
+          </p:cNvPr>
+          <p:cNvPicPr>
+            <a:picLocks noChangeAspect="1" noChangeArrowheads="1"/>
+          </p:cNvPicPr>
+          <p:nvPr/>
+        </p:nvPicPr>
+        <p:blipFill>
+          <a:blip r:embed="rId2">
+            <a:extLst>
+              <a:ext uri="{28A0092B-C50C-407E-A947-70E740481C1C}">
+                <a14:useLocalDpi xmlns:a14="http://schemas.microsoft.com/office/drawing/2010/main" val="0"/>
+              </a:ext>
+            </a:extLst>
+          </a:blip>
+          <a:srcRect/>
+          <a:stretch>
+            <a:fillRect/>
+          </a:stretch>
+        </p:blipFill>
+        <p:spPr bwMode="auto">
+          <a:xfrm>
+            <a:off x="5989616" y="2347396"/>
+            <a:ext cx="3620915" cy="3211209"/>
+          </a:xfrm>
+          <a:prstGeom prst="rect">
+            <a:avLst/>
+          </a:prstGeom>
+          <a:noFill/>
+          <a:extLst>
+            <a:ext uri="{909E8E84-426E-40DD-AFC4-6F175D3DCCD1}">
+              <a14:hiddenFill xmlns:a14="http://schemas.microsoft.com/office/drawing/2010/main">
+                <a:solidFill>
+                  <a:srgbClr val="FFFFFF"/>
+                </a:solidFill>
+              </a14:hiddenFill>
+            </a:ext>
+          </a:extLst>
+        </p:spPr>
+      </p:pic>
     </p:spTree>
     <p:extLst>
       <p:ext uri="{BB962C8B-B14F-4D97-AF65-F5344CB8AC3E}">
-        <p14:creationId xmlns:p14="http://schemas.microsoft.com/office/powerpoint/2010/main" val="656484464"/>
+        <p14:creationId xmlns:p14="http://schemas.microsoft.com/office/powerpoint/2010/main" val="1992255879"/>
       </p:ext>
     </p:extLst>
   </p:cSld>

--- a/course_material/week_04/week_04_presentation.pptx
+++ b/course_material/week_04/week_04_presentation.pptx
@@ -1839,7 +1839,7 @@
           <a:p>
             <a:fld id="{5CF9EFDB-215C-4120-ADCB-EAD745B7163E}" type="datetimeFigureOut">
               <a:rPr lang="en-US" smtClean="0"/>
-              <a:t>3/23/2021</a:t>
+              <a:t>3/24/2021</a:t>
             </a:fld>
             <a:endParaRPr lang="en-US"/>
           </a:p>
@@ -2387,7 +2387,7 @@
           <a:p>
             <a:fld id="{ACF1A1B0-862D-4909-A7DB-D8ADA062DFCA}" type="datetimeFigureOut">
               <a:rPr lang="en-US" dirty="0"/>
-              <a:t>3/23/2021</a:t>
+              <a:t>3/24/2021</a:t>
             </a:fld>
             <a:endParaRPr lang="en-US"/>
           </a:p>
@@ -2610,7 +2610,7 @@
           <a:p>
             <a:fld id="{7B156144-9CB7-4E3A-B87E-A382F9BE05EF}" type="datetimeFigureOut">
               <a:rPr lang="en-US" dirty="0"/>
-              <a:t>3/23/2021</a:t>
+              <a:t>3/24/2021</a:t>
             </a:fld>
             <a:endParaRPr lang="en-US"/>
           </a:p>
@@ -2788,7 +2788,7 @@
           <a:p>
             <a:fld id="{2643D55F-46AB-4791-9172-4FA8DD3A6A9C}" type="datetimeFigureOut">
               <a:rPr lang="en-US" dirty="0"/>
-              <a:t>3/23/2021</a:t>
+              <a:t>3/24/2021</a:t>
             </a:fld>
             <a:endParaRPr lang="en-US"/>
           </a:p>
@@ -2956,7 +2956,7 @@
           <a:p>
             <a:fld id="{58026881-8A08-449C-8D73-E5F201F814C1}" type="datetimeFigureOut">
               <a:rPr lang="en-US" dirty="0"/>
-              <a:t>3/23/2021</a:t>
+              <a:t>3/24/2021</a:t>
             </a:fld>
             <a:endParaRPr lang="en-US"/>
           </a:p>
@@ -3246,7 +3246,7 @@
           <a:p>
             <a:fld id="{1BEB5A5E-0C07-4E93-A112-D37B4D166B30}" type="datetimeFigureOut">
               <a:rPr lang="en-US" dirty="0"/>
-              <a:t>3/23/2021</a:t>
+              <a:t>3/24/2021</a:t>
             </a:fld>
             <a:endParaRPr lang="en-US"/>
           </a:p>
@@ -3569,7 +3569,7 @@
           <a:p>
             <a:fld id="{9E1F71C5-DC57-4358-A1EA-30C08AF6E3C5}" type="datetimeFigureOut">
               <a:rPr lang="en-US" dirty="0"/>
-              <a:t>3/23/2021</a:t>
+              <a:t>3/24/2021</a:t>
             </a:fld>
             <a:endParaRPr lang="en-US"/>
           </a:p>
@@ -3978,7 +3978,7 @@
           <a:p>
             <a:fld id="{12571DBA-DE60-4731-B773-47AAA185C143}" type="datetimeFigureOut">
               <a:rPr lang="en-US" dirty="0"/>
-              <a:t>3/23/2021</a:t>
+              <a:t>3/24/2021</a:t>
             </a:fld>
             <a:endParaRPr lang="en-US"/>
           </a:p>
@@ -4095,7 +4095,7 @@
           <a:p>
             <a:fld id="{4F170639-886C-4FCF-9EAB-ABB5DA3F3F4A}" type="datetimeFigureOut">
               <a:rPr lang="en-US" dirty="0"/>
-              <a:t>3/23/2021</a:t>
+              <a:t>3/24/2021</a:t>
             </a:fld>
             <a:endParaRPr lang="en-US"/>
           </a:p>
@@ -4190,7 +4190,7 @@
           <a:p>
             <a:fld id="{34C4A628-C83B-4C66-83F4-1711CE3738FD}" type="datetimeFigureOut">
               <a:rPr lang="en-US" dirty="0"/>
-              <a:t>3/23/2021</a:t>
+              <a:t>3/24/2021</a:t>
             </a:fld>
             <a:endParaRPr lang="en-US"/>
           </a:p>
@@ -4475,7 +4475,7 @@
           <a:p>
             <a:fld id="{B88C1D73-9400-43CA-A37F-F9B7D00DE14C}" type="datetimeFigureOut">
               <a:rPr lang="en-US" dirty="0"/>
-              <a:t>3/23/2021</a:t>
+              <a:t>3/24/2021</a:t>
             </a:fld>
             <a:endParaRPr lang="en-US"/>
           </a:p>
@@ -4747,7 +4747,7 @@
           <a:p>
             <a:fld id="{188B7711-B905-4633-B4D7-6F3A49A2E7D9}" type="datetimeFigureOut">
               <a:rPr lang="en-US" dirty="0"/>
-              <a:t>3/23/2021</a:t>
+              <a:t>3/24/2021</a:t>
             </a:fld>
             <a:endParaRPr lang="en-US"/>
           </a:p>
@@ -4997,7 +4997,7 @@
             <a:fld id="{89C235CF-BDA2-4E7E-8BBD-350479985E74}" type="datetimeFigureOut">
               <a:rPr lang="en-US" dirty="0"/>
               <a:pPr/>
-              <a:t>3/23/2021</a:t>
+              <a:t>3/24/2021</a:t>
             </a:fld>
             <a:endParaRPr lang="en-US"/>
           </a:p>
@@ -6186,19 +6186,13 @@
                 <a:effectLst/>
                 <a:latin typeface="Slack-Lato"/>
               </a:rPr>
-              <a:t>SoftwareStar</a:t>
-            </a:r>
-            <a:r>
-              <a:rPr lang="en-US" b="1" i="0" dirty="0">
-                <a:solidFill>
-                  <a:srgbClr val="1D1C1D"/>
-                </a:solidFill>
-                <a:effectLst/>
-                <a:latin typeface="Slack-Lato"/>
-              </a:rPr>
-              <a:t> </a:t>
-            </a:r>
-            <a:endParaRPr lang="en-US" dirty="0"/>
+              <a:t>TopTechnologist</a:t>
+            </a:r>
+            <a:endParaRPr lang="en-US" dirty="0">
+              <a:solidFill>
+                <a:schemeClr val="tx1"/>
+              </a:solidFill>
+            </a:endParaRPr>
           </a:p>
         </p:txBody>
       </p:sp>

--- a/course_material/week_04/week_04_presentation.pptx
+++ b/course_material/week_04/week_04_presentation.pptx
@@ -5,24 +5,25 @@
     <p:sldMasterId id="2147483696" r:id="rId1"/>
   </p:sldMasterIdLst>
   <p:notesMasterIdLst>
-    <p:notesMasterId r:id="rId17"/>
+    <p:notesMasterId r:id="rId18"/>
   </p:notesMasterIdLst>
   <p:sldIdLst>
     <p:sldId id="256" r:id="rId2"/>
     <p:sldId id="274" r:id="rId3"/>
     <p:sldId id="259" r:id="rId4"/>
-    <p:sldId id="262" r:id="rId5"/>
-    <p:sldId id="276" r:id="rId6"/>
-    <p:sldId id="273" r:id="rId7"/>
-    <p:sldId id="275" r:id="rId8"/>
-    <p:sldId id="306" r:id="rId9"/>
-    <p:sldId id="287" r:id="rId10"/>
-    <p:sldId id="294" r:id="rId11"/>
-    <p:sldId id="304" r:id="rId12"/>
-    <p:sldId id="285" r:id="rId13"/>
-    <p:sldId id="302" r:id="rId14"/>
-    <p:sldId id="303" r:id="rId15"/>
-    <p:sldId id="271" r:id="rId16"/>
+    <p:sldId id="307" r:id="rId5"/>
+    <p:sldId id="262" r:id="rId6"/>
+    <p:sldId id="276" r:id="rId7"/>
+    <p:sldId id="273" r:id="rId8"/>
+    <p:sldId id="275" r:id="rId9"/>
+    <p:sldId id="306" r:id="rId10"/>
+    <p:sldId id="287" r:id="rId11"/>
+    <p:sldId id="294" r:id="rId12"/>
+    <p:sldId id="304" r:id="rId13"/>
+    <p:sldId id="285" r:id="rId14"/>
+    <p:sldId id="302" r:id="rId15"/>
+    <p:sldId id="303" r:id="rId16"/>
+    <p:sldId id="271" r:id="rId17"/>
   </p:sldIdLst>
   <p:sldSz cx="12192000" cy="6858000"/>
   <p:notesSz cx="6858000" cy="9144000"/>
@@ -1837,7 +1838,7 @@
           <a:p>
             <a:fld id="{5CF9EFDB-215C-4120-ADCB-EAD745B7163E}" type="datetimeFigureOut">
               <a:rPr lang="en-US" smtClean="0"/>
-              <a:t>10/2/2021</a:t>
+              <a:t>10/4/2021</a:t>
             </a:fld>
             <a:endParaRPr lang="en-US"/>
           </a:p>
@@ -2172,7 +2173,7 @@
           <a:p>
             <a:fld id="{791F1524-C5FD-4370-8A10-5BE52A97A495}" type="slidenum">
               <a:rPr lang="en-US" smtClean="0"/>
-              <a:t>14</a:t>
+              <a:t>15</a:t>
             </a:fld>
             <a:endParaRPr lang="en-US"/>
           </a:p>
@@ -2385,7 +2386,7 @@
           <a:p>
             <a:fld id="{ACF1A1B0-862D-4909-A7DB-D8ADA062DFCA}" type="datetimeFigureOut">
               <a:rPr lang="en-US" dirty="0"/>
-              <a:t>10/2/2021</a:t>
+              <a:t>10/4/2021</a:t>
             </a:fld>
             <a:endParaRPr lang="en-US"/>
           </a:p>
@@ -2608,7 +2609,7 @@
           <a:p>
             <a:fld id="{7B156144-9CB7-4E3A-B87E-A382F9BE05EF}" type="datetimeFigureOut">
               <a:rPr lang="en-US" dirty="0"/>
-              <a:t>10/2/2021</a:t>
+              <a:t>10/4/2021</a:t>
             </a:fld>
             <a:endParaRPr lang="en-US"/>
           </a:p>
@@ -2786,7 +2787,7 @@
           <a:p>
             <a:fld id="{2643D55F-46AB-4791-9172-4FA8DD3A6A9C}" type="datetimeFigureOut">
               <a:rPr lang="en-US" dirty="0"/>
-              <a:t>10/2/2021</a:t>
+              <a:t>10/4/2021</a:t>
             </a:fld>
             <a:endParaRPr lang="en-US"/>
           </a:p>
@@ -2954,7 +2955,7 @@
           <a:p>
             <a:fld id="{58026881-8A08-449C-8D73-E5F201F814C1}" type="datetimeFigureOut">
               <a:rPr lang="en-US" dirty="0"/>
-              <a:t>10/2/2021</a:t>
+              <a:t>10/4/2021</a:t>
             </a:fld>
             <a:endParaRPr lang="en-US"/>
           </a:p>
@@ -3244,7 +3245,7 @@
           <a:p>
             <a:fld id="{1BEB5A5E-0C07-4E93-A112-D37B4D166B30}" type="datetimeFigureOut">
               <a:rPr lang="en-US" dirty="0"/>
-              <a:t>10/2/2021</a:t>
+              <a:t>10/4/2021</a:t>
             </a:fld>
             <a:endParaRPr lang="en-US"/>
           </a:p>
@@ -3567,7 +3568,7 @@
           <a:p>
             <a:fld id="{9E1F71C5-DC57-4358-A1EA-30C08AF6E3C5}" type="datetimeFigureOut">
               <a:rPr lang="en-US" dirty="0"/>
-              <a:t>10/2/2021</a:t>
+              <a:t>10/4/2021</a:t>
             </a:fld>
             <a:endParaRPr lang="en-US"/>
           </a:p>
@@ -3976,7 +3977,7 @@
           <a:p>
             <a:fld id="{12571DBA-DE60-4731-B773-47AAA185C143}" type="datetimeFigureOut">
               <a:rPr lang="en-US" dirty="0"/>
-              <a:t>10/2/2021</a:t>
+              <a:t>10/4/2021</a:t>
             </a:fld>
             <a:endParaRPr lang="en-US"/>
           </a:p>
@@ -4093,7 +4094,7 @@
           <a:p>
             <a:fld id="{4F170639-886C-4FCF-9EAB-ABB5DA3F3F4A}" type="datetimeFigureOut">
               <a:rPr lang="en-US" dirty="0"/>
-              <a:t>10/2/2021</a:t>
+              <a:t>10/4/2021</a:t>
             </a:fld>
             <a:endParaRPr lang="en-US"/>
           </a:p>
@@ -4188,7 +4189,7 @@
           <a:p>
             <a:fld id="{34C4A628-C83B-4C66-83F4-1711CE3738FD}" type="datetimeFigureOut">
               <a:rPr lang="en-US" dirty="0"/>
-              <a:t>10/2/2021</a:t>
+              <a:t>10/4/2021</a:t>
             </a:fld>
             <a:endParaRPr lang="en-US"/>
           </a:p>
@@ -4473,7 +4474,7 @@
           <a:p>
             <a:fld id="{B88C1D73-9400-43CA-A37F-F9B7D00DE14C}" type="datetimeFigureOut">
               <a:rPr lang="en-US" dirty="0"/>
-              <a:t>10/2/2021</a:t>
+              <a:t>10/4/2021</a:t>
             </a:fld>
             <a:endParaRPr lang="en-US"/>
           </a:p>
@@ -4745,7 +4746,7 @@
           <a:p>
             <a:fld id="{188B7711-B905-4633-B4D7-6F3A49A2E7D9}" type="datetimeFigureOut">
               <a:rPr lang="en-US" dirty="0"/>
-              <a:t>10/2/2021</a:t>
+              <a:t>10/4/2021</a:t>
             </a:fld>
             <a:endParaRPr lang="en-US"/>
           </a:p>
@@ -4995,7 +4996,7 @@
             <a:fld id="{89C235CF-BDA2-4E7E-8BBD-350479985E74}" type="datetimeFigureOut">
               <a:rPr lang="en-US" dirty="0"/>
               <a:pPr/>
-              <a:t>10/2/2021</a:t>
+              <a:t>10/4/2021</a:t>
             </a:fld>
             <a:endParaRPr lang="en-US"/>
           </a:p>
@@ -5561,7 +5562,7 @@
           <p:cNvPr id="2" name="Title 1">
             <a:extLst>
               <a:ext uri="{FF2B5EF4-FFF2-40B4-BE49-F238E27FC236}">
-                <a16:creationId xmlns:a16="http://schemas.microsoft.com/office/drawing/2014/main" id="{119E4807-290B-4611-A3D4-F318CE40FDDE}"/>
+                <a16:creationId xmlns:a16="http://schemas.microsoft.com/office/drawing/2014/main" id="{359829A8-3687-423E-8E54-A142B03D0B1D}"/>
               </a:ext>
             </a:extLst>
           </p:cNvPr>
@@ -5579,7 +5580,7 @@
           <a:p>
             <a:r>
               <a:rPr lang="en-US" dirty="0"/>
-              <a:t>Python Slicing</a:t>
+              <a:t>Indexing</a:t>
             </a:r>
           </a:p>
         </p:txBody>
@@ -5589,7 +5590,7 @@
           <p:cNvPr id="3" name="Content Placeholder 2">
             <a:extLst>
               <a:ext uri="{FF2B5EF4-FFF2-40B4-BE49-F238E27FC236}">
-                <a16:creationId xmlns:a16="http://schemas.microsoft.com/office/drawing/2014/main" id="{745D63D1-B938-4081-939F-07E76E716115}"/>
+                <a16:creationId xmlns:a16="http://schemas.microsoft.com/office/drawing/2014/main" id="{F1A9F7A8-CCA5-49A9-8B3C-99C2259F06B9}"/>
               </a:ext>
             </a:extLst>
           </p:cNvPr>
@@ -5600,39 +5601,34 @@
             <p:ph idx="1"/>
           </p:nvPr>
         </p:nvSpPr>
-        <p:spPr>
-          <a:xfrm>
-            <a:off x="1261872" y="1828800"/>
-            <a:ext cx="9519542" cy="4351337"/>
-          </a:xfrm>
-        </p:spPr>
-        <p:txBody>
-          <a:bodyPr/>
+        <p:spPr/>
+        <p:txBody>
+          <a:bodyPr>
+            <a:normAutofit/>
+          </a:bodyPr>
           <a:lstStyle/>
           <a:p>
             <a:pPr marL="0" indent="0">
               <a:buNone/>
             </a:pPr>
             <a:r>
-              <a:rPr lang="en-US" dirty="0"/>
-              <a:t>Syntax: </a:t>
-            </a:r>
-            <a:r>
-              <a:rPr lang="en-US" dirty="0" err="1"/>
-              <a:t>start:stop:step</a:t>
-            </a:r>
-            <a:endParaRPr lang="en-US" dirty="0"/>
+              <a:rPr lang="en-US" sz="2600" dirty="0">
+                <a:latin typeface="Courier New" panose="02070309020205020404" pitchFamily="49" charset="0"/>
+                <a:cs typeface="Courier New" panose="02070309020205020404" pitchFamily="49" charset="0"/>
+              </a:rPr>
+              <a:t>a[0,0]  	# top-left element</a:t>
+            </a:r>
           </a:p>
           <a:p>
             <a:pPr marL="0" indent="0">
               <a:buNone/>
             </a:pPr>
             <a:r>
-              <a:rPr lang="en-US" sz="2400" dirty="0">
+              <a:rPr lang="en-US" sz="2600" dirty="0">
                 <a:latin typeface="Courier New" panose="02070309020205020404" pitchFamily="49" charset="0"/>
                 <a:cs typeface="Courier New" panose="02070309020205020404" pitchFamily="49" charset="0"/>
               </a:rPr>
-              <a:t>a = list(range(10)) </a:t>
+              <a:t>a[0,-1] 	# first row, last column</a:t>
             </a:r>
           </a:p>
           <a:p>
@@ -5640,11 +5636,11 @@
               <a:buNone/>
             </a:pPr>
             <a:r>
-              <a:rPr lang="en-US" sz="2400" dirty="0">
+              <a:rPr lang="en-US" sz="2600" dirty="0">
                 <a:latin typeface="Courier New" panose="02070309020205020404" pitchFamily="49" charset="0"/>
                 <a:cs typeface="Courier New" panose="02070309020205020404" pitchFamily="49" charset="0"/>
               </a:rPr>
-              <a:t>a[:3] # indices 0, 1, 2 </a:t>
+              <a:t>a[0,:]	# first row (many entries)</a:t>
             </a:r>
           </a:p>
           <a:p>
@@ -5652,35 +5648,28 @@
               <a:buNone/>
             </a:pPr>
             <a:r>
-              <a:rPr lang="en-US" sz="2400" dirty="0">
+              <a:rPr lang="en-US" sz="2600" dirty="0">
                 <a:latin typeface="Courier New" panose="02070309020205020404" pitchFamily="49" charset="0"/>
                 <a:cs typeface="Courier New" panose="02070309020205020404" pitchFamily="49" charset="0"/>
               </a:rPr>
-              <a:t>a[-3:] # indices 7, 8, 9 </a:t>
-            </a:r>
+              <a:t>a[:,0]	# first column (many entries)</a:t>
+            </a:r>
+            <a:endParaRPr lang="en-US" dirty="0"/>
           </a:p>
           <a:p>
             <a:pPr marL="0" indent="0">
               <a:buNone/>
             </a:pPr>
             <a:r>
-              <a:rPr lang="en-US" sz="2400" dirty="0">
-                <a:latin typeface="Courier New" panose="02070309020205020404" pitchFamily="49" charset="0"/>
-                <a:cs typeface="Courier New" panose="02070309020205020404" pitchFamily="49" charset="0"/>
-              </a:rPr>
-              <a:t>a[3:8:2] # indices 3, 5, 7 </a:t>
-            </a:r>
-          </a:p>
-          <a:p>
-            <a:pPr marL="0" indent="0">
-              <a:buNone/>
-            </a:pPr>
-            <a:r>
-              <a:rPr lang="en-US" sz="2400" dirty="0">
-                <a:latin typeface="Courier New" panose="02070309020205020404" pitchFamily="49" charset="0"/>
-                <a:cs typeface="Courier New" panose="02070309020205020404" pitchFamily="49" charset="0"/>
-              </a:rPr>
-              <a:t>a[4:1:-1] # indices 4, 3, 2 (this one is tricky)</a:t>
+              <a:rPr lang="en-US" dirty="0"/>
+              <a:t>Notes:</a:t>
+            </a:r>
+          </a:p>
+          <a:p>
+            <a:pPr lvl="1"/>
+            <a:r>
+              <a:rPr lang="en-US" dirty="0"/>
+              <a:t>Zero-indexing</a:t>
             </a:r>
           </a:p>
         </p:txBody>
@@ -5690,7 +5679,7 @@
           <p:cNvPr id="4" name="Slide Number Placeholder 3">
             <a:extLst>
               <a:ext uri="{FF2B5EF4-FFF2-40B4-BE49-F238E27FC236}">
-                <a16:creationId xmlns:a16="http://schemas.microsoft.com/office/drawing/2014/main" id="{A961B666-6E37-4E9E-9A65-B416B9EE2D8F}"/>
+                <a16:creationId xmlns:a16="http://schemas.microsoft.com/office/drawing/2014/main" id="{A74BC654-7FE9-4E8A-BAFB-E8869D3BC241}"/>
               </a:ext>
             </a:extLst>
           </p:cNvPr>
@@ -5719,7 +5708,7 @@
     </p:spTree>
     <p:extLst>
       <p:ext uri="{BB962C8B-B14F-4D97-AF65-F5344CB8AC3E}">
-        <p14:creationId xmlns:p14="http://schemas.microsoft.com/office/powerpoint/2010/main" val="2673824285"/>
+        <p14:creationId xmlns:p14="http://schemas.microsoft.com/office/powerpoint/2010/main" val="2407682349"/>
       </p:ext>
     </p:extLst>
   </p:cSld>
@@ -5751,7 +5740,7 @@
           <p:cNvPr id="2" name="Title 1">
             <a:extLst>
               <a:ext uri="{FF2B5EF4-FFF2-40B4-BE49-F238E27FC236}">
-                <a16:creationId xmlns:a16="http://schemas.microsoft.com/office/drawing/2014/main" id="{CFE94216-BB6D-4B59-AEEC-58F179B1A1A2}"/>
+                <a16:creationId xmlns:a16="http://schemas.microsoft.com/office/drawing/2014/main" id="{119E4807-290B-4611-A3D4-F318CE40FDDE}"/>
               </a:ext>
             </a:extLst>
           </p:cNvPr>
@@ -5768,12 +5757,8 @@
           <a:lstStyle/>
           <a:p>
             <a:r>
-              <a:rPr lang="en-US" dirty="0" err="1"/>
-              <a:t>Numpy</a:t>
-            </a:r>
-            <a:r>
-              <a:rPr lang="en-US" dirty="0"/>
-              <a:t> Exercise (5 min)</a:t>
+              <a:rPr lang="en-US" dirty="0"/>
+              <a:t>Python Slicing</a:t>
             </a:r>
           </a:p>
         </p:txBody>
@@ -5783,7 +5768,7 @@
           <p:cNvPr id="3" name="Content Placeholder 2">
             <a:extLst>
               <a:ext uri="{FF2B5EF4-FFF2-40B4-BE49-F238E27FC236}">
-                <a16:creationId xmlns:a16="http://schemas.microsoft.com/office/drawing/2014/main" id="{66D6A59C-699F-4365-B811-B1099E7E29E0}"/>
+                <a16:creationId xmlns:a16="http://schemas.microsoft.com/office/drawing/2014/main" id="{745D63D1-B938-4081-939F-07E76E716115}"/>
               </a:ext>
             </a:extLst>
           </p:cNvPr>
@@ -5794,124 +5779,126 @@
             <p:ph idx="1"/>
           </p:nvPr>
         </p:nvSpPr>
-        <p:spPr/>
+        <p:spPr>
+          <a:xfrm>
+            <a:off x="1261872" y="1828800"/>
+            <a:ext cx="9519542" cy="4351337"/>
+          </a:xfrm>
+        </p:spPr>
         <p:txBody>
           <a:bodyPr/>
           <a:lstStyle/>
           <a:p>
-            <a:pPr marL="342900" indent="-342900">
-              <a:buAutoNum type="arabicParenR"/>
+            <a:pPr marL="0" indent="0">
+              <a:buNone/>
             </a:pPr>
+            <a:r>
+              <a:rPr lang="en-US" dirty="0"/>
+              <a:t>Syntax: </a:t>
+            </a:r>
+            <a:r>
+              <a:rPr lang="en-US" dirty="0" err="1"/>
+              <a:t>start:stop:step</a:t>
+            </a:r>
             <a:endParaRPr lang="en-US" dirty="0"/>
           </a:p>
           <a:p>
-            <a:pPr marL="342900" marR="0" lvl="0" indent="-342900" algn="l" defTabSz="914400" rtl="0" eaLnBrk="1" fontAlgn="auto" latinLnBrk="0" hangingPunct="1">
-              <a:lnSpc>
-                <a:spcPct val="95000"/>
-              </a:lnSpc>
-              <a:spcBef>
-                <a:spcPts val="1400"/>
-              </a:spcBef>
-              <a:spcAft>
-                <a:spcPts val="200"/>
-              </a:spcAft>
-              <a:buClr>
-                <a:srgbClr val="93A299"/>
-              </a:buClr>
-              <a:buSzPct val="80000"/>
-              <a:buFont typeface="Arial" pitchFamily="34" charset="0"/>
-              <a:buAutoNum type="arabicParenR"/>
-              <a:tabLst/>
-              <a:defRPr/>
+            <a:pPr marL="0" indent="0">
+              <a:buNone/>
             </a:pPr>
             <a:r>
-              <a:rPr kumimoji="0" lang="en-US" sz="1800" b="0" i="0" u="none" strike="noStrike" kern="1200" cap="none" spc="10" normalizeH="0" baseline="0" noProof="0" dirty="0">
-                <a:ln>
-                  <a:noFill/>
-                </a:ln>
-                <a:solidFill>
-                  <a:prstClr val="white"/>
-                </a:solidFill>
-                <a:effectLst/>
-                <a:uLnTx/>
-                <a:uFillTx/>
-                <a:ea typeface="+mn-ea"/>
-                <a:cs typeface="+mn-cs"/>
+              <a:rPr lang="en-US" sz="2400" dirty="0">
+                <a:latin typeface="Courier New" panose="02070309020205020404" pitchFamily="49" charset="0"/>
+                <a:cs typeface="Courier New" panose="02070309020205020404" pitchFamily="49" charset="0"/>
               </a:rPr>
-              <a:t>Write a NumPy program to create a 3x3 matrix with values ranging from 2 to 10</a:t>
-            </a:r>
-          </a:p>
-          <a:p>
-            <a:pPr marL="342900" indent="-342900">
-              <a:buAutoNum type="arabicParenR"/>
+              <a:t>a = list(range(10)) </a:t>
+            </a:r>
+          </a:p>
+          <a:p>
+            <a:pPr marL="0" indent="0">
+              <a:buNone/>
             </a:pPr>
             <a:r>
-              <a:rPr lang="en-US" dirty="0"/>
-              <a:t>Find the square root of all the values in this </a:t>
-            </a:r>
-            <a:r>
-              <a:rPr lang="en-US" dirty="0" err="1"/>
-              <a:t>Numpy</a:t>
-            </a:r>
-            <a:r>
-              <a:rPr lang="en-US" dirty="0"/>
-              <a:t> array</a:t>
-            </a:r>
-          </a:p>
-          <a:p>
-            <a:pPr marL="342900" indent="-342900">
-              <a:buAutoNum type="arabicParenR"/>
+              <a:rPr lang="en-US" sz="2400" dirty="0">
+                <a:latin typeface="Courier New" panose="02070309020205020404" pitchFamily="49" charset="0"/>
+                <a:cs typeface="Courier New" panose="02070309020205020404" pitchFamily="49" charset="0"/>
+              </a:rPr>
+              <a:t>a[:3] # indices 0, 1, 2 </a:t>
+            </a:r>
+          </a:p>
+          <a:p>
+            <a:pPr marL="0" indent="0">
+              <a:buNone/>
             </a:pPr>
-            <a:endParaRPr lang="en-US" dirty="0">
-              <a:cs typeface="Courier New" panose="02070309020205020404" pitchFamily="49" charset="0"/>
-            </a:endParaRPr>
-          </a:p>
-          <a:p>
-            <a:pPr marL="342900" indent="-342900">
-              <a:buAutoNum type="arabicParenR"/>
+            <a:r>
+              <a:rPr lang="en-US" sz="2400" dirty="0">
+                <a:latin typeface="Courier New" panose="02070309020205020404" pitchFamily="49" charset="0"/>
+                <a:cs typeface="Courier New" panose="02070309020205020404" pitchFamily="49" charset="0"/>
+              </a:rPr>
+              <a:t>a[-3:] # indices 7, 8, 9 </a:t>
+            </a:r>
+          </a:p>
+          <a:p>
+            <a:pPr marL="0" indent="0">
+              <a:buNone/>
             </a:pPr>
-            <a:endParaRPr lang="en-US" dirty="0">
-              <a:cs typeface="Courier New" panose="02070309020205020404" pitchFamily="49" charset="0"/>
-            </a:endParaRPr>
-          </a:p>
-          <a:p>
-            <a:pPr marL="342900" indent="-342900">
-              <a:buAutoNum type="arabicParenR"/>
+            <a:r>
+              <a:rPr lang="en-US" sz="2400" dirty="0">
+                <a:latin typeface="Courier New" panose="02070309020205020404" pitchFamily="49" charset="0"/>
+                <a:cs typeface="Courier New" panose="02070309020205020404" pitchFamily="49" charset="0"/>
+              </a:rPr>
+              <a:t>a[3:8:2] # indices 3, 5, 7 </a:t>
+            </a:r>
+          </a:p>
+          <a:p>
+            <a:pPr marL="0" indent="0">
+              <a:buNone/>
             </a:pPr>
-            <a:endParaRPr lang="en-US" dirty="0">
-              <a:cs typeface="Courier New" panose="02070309020205020404" pitchFamily="49" charset="0"/>
-            </a:endParaRPr>
-          </a:p>
-          <a:p>
-            <a:pPr marL="342900" indent="-342900">
-              <a:buAutoNum type="arabicParenR"/>
-            </a:pPr>
-            <a:endParaRPr lang="en-US" dirty="0">
-              <a:cs typeface="Courier New" panose="02070309020205020404" pitchFamily="49" charset="0"/>
-            </a:endParaRPr>
-          </a:p>
-          <a:p>
-            <a:pPr marL="342900" indent="-342900">
-              <a:buAutoNum type="arabicParenR"/>
-            </a:pPr>
-            <a:endParaRPr lang="en-US" dirty="0">
-              <a:cs typeface="Courier New" panose="02070309020205020404" pitchFamily="49" charset="0"/>
-            </a:endParaRPr>
-          </a:p>
-          <a:p>
-            <a:pPr marL="342900" indent="-342900">
-              <a:buAutoNum type="arabicParenR"/>
-            </a:pPr>
-            <a:endParaRPr lang="en-US" dirty="0">
-              <a:cs typeface="Courier New" panose="02070309020205020404" pitchFamily="49" charset="0"/>
-            </a:endParaRPr>
+            <a:r>
+              <a:rPr lang="en-US" sz="2400" dirty="0">
+                <a:latin typeface="Courier New" panose="02070309020205020404" pitchFamily="49" charset="0"/>
+                <a:cs typeface="Courier New" panose="02070309020205020404" pitchFamily="49" charset="0"/>
+              </a:rPr>
+              <a:t>a[4:1:-1] # indices 4, 3, 2 (this one is tricky)</a:t>
+            </a:r>
+          </a:p>
+        </p:txBody>
+      </p:sp>
+      <p:sp>
+        <p:nvSpPr>
+          <p:cNvPr id="4" name="Slide Number Placeholder 3">
+            <a:extLst>
+              <a:ext uri="{FF2B5EF4-FFF2-40B4-BE49-F238E27FC236}">
+                <a16:creationId xmlns:a16="http://schemas.microsoft.com/office/drawing/2014/main" id="{A961B666-6E37-4E9E-9A65-B416B9EE2D8F}"/>
+              </a:ext>
+            </a:extLst>
+          </p:cNvPr>
+          <p:cNvSpPr>
+            <a:spLocks noGrp="1"/>
+          </p:cNvSpPr>
+          <p:nvPr>
+            <p:ph type="sldNum" sz="quarter" idx="12"/>
+          </p:nvPr>
+        </p:nvSpPr>
+        <p:spPr/>
+        <p:txBody>
+          <a:bodyPr>
+            <a:normAutofit lnSpcReduction="10000"/>
+          </a:bodyPr>
+          <a:lstStyle/>
+          <a:p>
+            <a:fld id="{4FAB73BC-B049-4115-A692-8D63A059BFB8}" type="slidenum">
+              <a:rPr lang="en-US" smtClean="0"/>
+              <a:t>11</a:t>
+            </a:fld>
+            <a:endParaRPr lang="en-US" dirty="0"/>
           </a:p>
         </p:txBody>
       </p:sp>
     </p:spTree>
     <p:extLst>
       <p:ext uri="{BB962C8B-B14F-4D97-AF65-F5344CB8AC3E}">
-        <p14:creationId xmlns:p14="http://schemas.microsoft.com/office/powerpoint/2010/main" val="725225828"/>
+        <p14:creationId xmlns:p14="http://schemas.microsoft.com/office/powerpoint/2010/main" val="2673824285"/>
       </p:ext>
     </p:extLst>
   </p:cSld>
@@ -5940,10 +5927,10 @@
       </p:grpSpPr>
       <p:sp>
         <p:nvSpPr>
-          <p:cNvPr id="4" name="Title 3">
+          <p:cNvPr id="2" name="Title 1">
             <a:extLst>
               <a:ext uri="{FF2B5EF4-FFF2-40B4-BE49-F238E27FC236}">
-                <a16:creationId xmlns:a16="http://schemas.microsoft.com/office/drawing/2014/main" id="{297BDE90-8DCF-4039-AB05-11C3F09C3813}"/>
+                <a16:creationId xmlns:a16="http://schemas.microsoft.com/office/drawing/2014/main" id="{CFE94216-BB6D-4B59-AEEC-58F179B1A1A2}"/>
               </a:ext>
             </a:extLst>
           </p:cNvPr>
@@ -5951,7 +5938,7 @@
             <a:spLocks noGrp="1"/>
           </p:cNvSpPr>
           <p:nvPr>
-            <p:ph type="ctrTitle"/>
+            <p:ph type="title"/>
           </p:nvPr>
         </p:nvSpPr>
         <p:spPr/>
@@ -5960,18 +5947,22 @@
           <a:lstStyle/>
           <a:p>
             <a:r>
-              <a:rPr lang="en-US" dirty="0"/>
-              <a:t>Break (15 Minutes)</a:t>
-            </a:r>
-          </a:p>
-        </p:txBody>
-      </p:sp>
-      <p:sp>
-        <p:nvSpPr>
-          <p:cNvPr id="5" name="Subtitle 4">
+              <a:rPr lang="en-US" dirty="0" err="1"/>
+              <a:t>Numpy</a:t>
+            </a:r>
+            <a:r>
+              <a:rPr lang="en-US" dirty="0"/>
+              <a:t> Exercise (5 min)</a:t>
+            </a:r>
+          </a:p>
+        </p:txBody>
+      </p:sp>
+      <p:sp>
+        <p:nvSpPr>
+          <p:cNvPr id="3" name="Content Placeholder 2">
             <a:extLst>
               <a:ext uri="{FF2B5EF4-FFF2-40B4-BE49-F238E27FC236}">
-                <a16:creationId xmlns:a16="http://schemas.microsoft.com/office/drawing/2014/main" id="{AE43AD4D-53BE-4D90-B4EE-A313556AC5A9}"/>
+                <a16:creationId xmlns:a16="http://schemas.microsoft.com/office/drawing/2014/main" id="{66D6A59C-699F-4365-B811-B1099E7E29E0}"/>
               </a:ext>
             </a:extLst>
           </p:cNvPr>
@@ -5979,7 +5970,7 @@
             <a:spLocks noGrp="1"/>
           </p:cNvSpPr>
           <p:nvPr>
-            <p:ph type="subTitle" idx="1"/>
+            <p:ph idx="1"/>
           </p:nvPr>
         </p:nvSpPr>
         <p:spPr/>
@@ -5987,24 +5978,111 @@
           <a:bodyPr/>
           <a:lstStyle/>
           <a:p>
-            <a:r>
-              <a:rPr lang="en-US" dirty="0"/>
-              <a:t>Attendance word: </a:t>
-            </a:r>
-            <a:r>
-              <a:rPr lang="en-US" b="1" i="0" dirty="0" err="1">
+            <a:pPr marL="342900" indent="-342900">
+              <a:buAutoNum type="arabicParenR"/>
+            </a:pPr>
+            <a:endParaRPr lang="en-US" dirty="0"/>
+          </a:p>
+          <a:p>
+            <a:pPr marL="342900" marR="0" lvl="0" indent="-342900" algn="l" defTabSz="914400" rtl="0" eaLnBrk="1" fontAlgn="auto" latinLnBrk="0" hangingPunct="1">
+              <a:lnSpc>
+                <a:spcPct val="95000"/>
+              </a:lnSpc>
+              <a:spcBef>
+                <a:spcPts val="1400"/>
+              </a:spcBef>
+              <a:spcAft>
+                <a:spcPts val="200"/>
+              </a:spcAft>
+              <a:buClr>
+                <a:srgbClr val="93A299"/>
+              </a:buClr>
+              <a:buSzPct val="80000"/>
+              <a:buFont typeface="Arial" pitchFamily="34" charset="0"/>
+              <a:buAutoNum type="arabicParenR"/>
+              <a:tabLst/>
+              <a:defRPr/>
+            </a:pPr>
+            <a:r>
+              <a:rPr kumimoji="0" lang="en-US" sz="1800" b="0" i="0" u="none" strike="noStrike" kern="1200" cap="none" spc="10" normalizeH="0" baseline="0" noProof="0" dirty="0">
+                <a:ln>
+                  <a:noFill/>
+                </a:ln>
                 <a:solidFill>
-                  <a:schemeClr val="tx1"/>
+                  <a:prstClr val="white"/>
                 </a:solidFill>
                 <a:effectLst/>
-                <a:latin typeface="Slack-Lato"/>
+                <a:uLnTx/>
+                <a:uFillTx/>
+                <a:ea typeface="+mn-ea"/>
+                <a:cs typeface="+mn-cs"/>
               </a:rPr>
-              <a:t>TopTechnologist</a:t>
-            </a:r>
+              <a:t>Write a NumPy program to create a 3x3 matrix with values ranging from 2 to 10</a:t>
+            </a:r>
+          </a:p>
+          <a:p>
+            <a:pPr marL="342900" indent="-342900">
+              <a:buAutoNum type="arabicParenR"/>
+            </a:pPr>
+            <a:r>
+              <a:rPr lang="en-US" dirty="0"/>
+              <a:t>Find the square root of all the values in this </a:t>
+            </a:r>
+            <a:r>
+              <a:rPr lang="en-US" dirty="0" err="1"/>
+              <a:t>Numpy</a:t>
+            </a:r>
+            <a:r>
+              <a:rPr lang="en-US" dirty="0"/>
+              <a:t> array</a:t>
+            </a:r>
+          </a:p>
+          <a:p>
+            <a:pPr marL="342900" indent="-342900">
+              <a:buAutoNum type="arabicParenR"/>
+            </a:pPr>
             <a:endParaRPr lang="en-US" dirty="0">
-              <a:solidFill>
-                <a:schemeClr val="tx1"/>
-              </a:solidFill>
+              <a:cs typeface="Courier New" panose="02070309020205020404" pitchFamily="49" charset="0"/>
+            </a:endParaRPr>
+          </a:p>
+          <a:p>
+            <a:pPr marL="342900" indent="-342900">
+              <a:buAutoNum type="arabicParenR"/>
+            </a:pPr>
+            <a:endParaRPr lang="en-US" dirty="0">
+              <a:cs typeface="Courier New" panose="02070309020205020404" pitchFamily="49" charset="0"/>
+            </a:endParaRPr>
+          </a:p>
+          <a:p>
+            <a:pPr marL="342900" indent="-342900">
+              <a:buAutoNum type="arabicParenR"/>
+            </a:pPr>
+            <a:endParaRPr lang="en-US" dirty="0">
+              <a:cs typeface="Courier New" panose="02070309020205020404" pitchFamily="49" charset="0"/>
+            </a:endParaRPr>
+          </a:p>
+          <a:p>
+            <a:pPr marL="342900" indent="-342900">
+              <a:buAutoNum type="arabicParenR"/>
+            </a:pPr>
+            <a:endParaRPr lang="en-US" dirty="0">
+              <a:cs typeface="Courier New" panose="02070309020205020404" pitchFamily="49" charset="0"/>
+            </a:endParaRPr>
+          </a:p>
+          <a:p>
+            <a:pPr marL="342900" indent="-342900">
+              <a:buAutoNum type="arabicParenR"/>
+            </a:pPr>
+            <a:endParaRPr lang="en-US" dirty="0">
+              <a:cs typeface="Courier New" panose="02070309020205020404" pitchFamily="49" charset="0"/>
+            </a:endParaRPr>
+          </a:p>
+          <a:p>
+            <a:pPr marL="342900" indent="-342900">
+              <a:buAutoNum type="arabicParenR"/>
+            </a:pPr>
+            <a:endParaRPr lang="en-US" dirty="0">
+              <a:cs typeface="Courier New" panose="02070309020205020404" pitchFamily="49" charset="0"/>
             </a:endParaRPr>
           </a:p>
         </p:txBody>
@@ -6012,7 +6090,7 @@
     </p:spTree>
     <p:extLst>
       <p:ext uri="{BB962C8B-B14F-4D97-AF65-F5344CB8AC3E}">
-        <p14:creationId xmlns:p14="http://schemas.microsoft.com/office/powerpoint/2010/main" val="3877287137"/>
+        <p14:creationId xmlns:p14="http://schemas.microsoft.com/office/powerpoint/2010/main" val="725225828"/>
       </p:ext>
     </p:extLst>
   </p:cSld>
@@ -6041,10 +6119,10 @@
       </p:grpSpPr>
       <p:sp>
         <p:nvSpPr>
-          <p:cNvPr id="2" name="Title 1">
+          <p:cNvPr id="4" name="Title 3">
             <a:extLst>
               <a:ext uri="{FF2B5EF4-FFF2-40B4-BE49-F238E27FC236}">
-                <a16:creationId xmlns:a16="http://schemas.microsoft.com/office/drawing/2014/main" id="{472AD87B-CA7C-435F-BBFC-2954C82C34FA}"/>
+                <a16:creationId xmlns:a16="http://schemas.microsoft.com/office/drawing/2014/main" id="{297BDE90-8DCF-4039-AB05-11C3F09C3813}"/>
               </a:ext>
             </a:extLst>
           </p:cNvPr>
@@ -6052,7 +6130,7 @@
             <a:spLocks noGrp="1"/>
           </p:cNvSpPr>
           <p:nvPr>
-            <p:ph type="title"/>
+            <p:ph type="ctrTitle"/>
           </p:nvPr>
         </p:nvSpPr>
         <p:spPr/>
@@ -6062,17 +6140,17 @@
           <a:p>
             <a:r>
               <a:rPr lang="en-US" dirty="0"/>
-              <a:t>Pandas</a:t>
-            </a:r>
-          </a:p>
-        </p:txBody>
-      </p:sp>
-      <p:sp>
-        <p:nvSpPr>
-          <p:cNvPr id="3" name="Content Placeholder 2">
+              <a:t>Break (15 Minutes)</a:t>
+            </a:r>
+          </a:p>
+        </p:txBody>
+      </p:sp>
+      <p:sp>
+        <p:nvSpPr>
+          <p:cNvPr id="5" name="Subtitle 4">
             <a:extLst>
               <a:ext uri="{FF2B5EF4-FFF2-40B4-BE49-F238E27FC236}">
-                <a16:creationId xmlns:a16="http://schemas.microsoft.com/office/drawing/2014/main" id="{55CD36E6-A898-46D8-8C91-98765A6650DE}"/>
+                <a16:creationId xmlns:a16="http://schemas.microsoft.com/office/drawing/2014/main" id="{AE43AD4D-53BE-4D90-B4EE-A313556AC5A9}"/>
               </a:ext>
             </a:extLst>
           </p:cNvPr>
@@ -6080,7 +6158,7 @@
             <a:spLocks noGrp="1"/>
           </p:cNvSpPr>
           <p:nvPr>
-            <p:ph idx="1"/>
+            <p:ph type="subTitle" idx="1"/>
           </p:nvPr>
         </p:nvSpPr>
         <p:spPr/>
@@ -6090,66 +6168,30 @@
           <a:p>
             <a:r>
               <a:rPr lang="en-US" dirty="0"/>
-              <a:t>Python module used for data analysis and exploration</a:t>
-            </a:r>
-          </a:p>
-          <a:p>
-            <a:r>
-              <a:rPr lang="en-US" dirty="0"/>
-              <a:t>Two main useful data structures:</a:t>
-            </a:r>
-          </a:p>
-          <a:p>
-            <a:pPr lvl="1"/>
-            <a:r>
-              <a:rPr lang="en-US" dirty="0"/>
-              <a:t>Series</a:t>
-            </a:r>
-          </a:p>
-          <a:p>
-            <a:pPr lvl="1"/>
-            <a:r>
-              <a:rPr lang="en-US" dirty="0" err="1"/>
-              <a:t>DataFrames</a:t>
-            </a:r>
-            <a:endParaRPr lang="en-US" dirty="0"/>
-          </a:p>
-          <a:p>
-            <a:r>
-              <a:rPr lang="en-US" dirty="0"/>
-              <a:t>Can import data files and turn them into </a:t>
-            </a:r>
-            <a:r>
-              <a:rPr lang="en-US" dirty="0" err="1"/>
-              <a:t>DataFrames</a:t>
-            </a:r>
-            <a:endParaRPr lang="en-US" dirty="0"/>
-          </a:p>
-          <a:p>
-            <a:pPr lvl="1"/>
-            <a:r>
-              <a:rPr lang="en-US" dirty="0"/>
-              <a:t>CSV (comma-separated values)</a:t>
-            </a:r>
-          </a:p>
-          <a:p>
-            <a:r>
-              <a:rPr lang="en-US" dirty="0"/>
-              <a:t>If you get stuck, look at the documentation! It is pretty good.</a:t>
-            </a:r>
-          </a:p>
-          <a:p>
-            <a:pPr marL="274320" lvl="1" indent="0">
-              <a:buNone/>
-            </a:pPr>
-            <a:endParaRPr lang="en-US" dirty="0"/>
+              <a:t>Attendance word: </a:t>
+            </a:r>
+            <a:r>
+              <a:rPr lang="en-US" b="1" i="0" dirty="0" err="1">
+                <a:solidFill>
+                  <a:schemeClr val="tx1"/>
+                </a:solidFill>
+                <a:effectLst/>
+                <a:latin typeface="Slack-Lato"/>
+              </a:rPr>
+              <a:t>TopTechnologist</a:t>
+            </a:r>
+            <a:endParaRPr lang="en-US" dirty="0">
+              <a:solidFill>
+                <a:schemeClr val="tx1"/>
+              </a:solidFill>
+            </a:endParaRPr>
           </a:p>
         </p:txBody>
       </p:sp>
     </p:spTree>
     <p:extLst>
       <p:ext uri="{BB962C8B-B14F-4D97-AF65-F5344CB8AC3E}">
-        <p14:creationId xmlns:p14="http://schemas.microsoft.com/office/powerpoint/2010/main" val="2288650845"/>
+        <p14:creationId xmlns:p14="http://schemas.microsoft.com/office/powerpoint/2010/main" val="3877287137"/>
       </p:ext>
     </p:extLst>
   </p:cSld>
@@ -6181,6 +6223,143 @@
           <p:cNvPr id="2" name="Title 1">
             <a:extLst>
               <a:ext uri="{FF2B5EF4-FFF2-40B4-BE49-F238E27FC236}">
+                <a16:creationId xmlns:a16="http://schemas.microsoft.com/office/drawing/2014/main" id="{472AD87B-CA7C-435F-BBFC-2954C82C34FA}"/>
+              </a:ext>
+            </a:extLst>
+          </p:cNvPr>
+          <p:cNvSpPr>
+            <a:spLocks noGrp="1"/>
+          </p:cNvSpPr>
+          <p:nvPr>
+            <p:ph type="title"/>
+          </p:nvPr>
+        </p:nvSpPr>
+        <p:spPr/>
+        <p:txBody>
+          <a:bodyPr/>
+          <a:lstStyle/>
+          <a:p>
+            <a:r>
+              <a:rPr lang="en-US" dirty="0"/>
+              <a:t>Pandas</a:t>
+            </a:r>
+          </a:p>
+        </p:txBody>
+      </p:sp>
+      <p:sp>
+        <p:nvSpPr>
+          <p:cNvPr id="3" name="Content Placeholder 2">
+            <a:extLst>
+              <a:ext uri="{FF2B5EF4-FFF2-40B4-BE49-F238E27FC236}">
+                <a16:creationId xmlns:a16="http://schemas.microsoft.com/office/drawing/2014/main" id="{55CD36E6-A898-46D8-8C91-98765A6650DE}"/>
+              </a:ext>
+            </a:extLst>
+          </p:cNvPr>
+          <p:cNvSpPr>
+            <a:spLocks noGrp="1"/>
+          </p:cNvSpPr>
+          <p:nvPr>
+            <p:ph idx="1"/>
+          </p:nvPr>
+        </p:nvSpPr>
+        <p:spPr/>
+        <p:txBody>
+          <a:bodyPr/>
+          <a:lstStyle/>
+          <a:p>
+            <a:r>
+              <a:rPr lang="en-US" dirty="0"/>
+              <a:t>Python module used for data analysis and exploration</a:t>
+            </a:r>
+          </a:p>
+          <a:p>
+            <a:r>
+              <a:rPr lang="en-US" dirty="0"/>
+              <a:t>Two main useful data structures:</a:t>
+            </a:r>
+          </a:p>
+          <a:p>
+            <a:pPr lvl="1"/>
+            <a:r>
+              <a:rPr lang="en-US" dirty="0"/>
+              <a:t>Series</a:t>
+            </a:r>
+          </a:p>
+          <a:p>
+            <a:pPr lvl="1"/>
+            <a:r>
+              <a:rPr lang="en-US" dirty="0" err="1"/>
+              <a:t>DataFrames</a:t>
+            </a:r>
+            <a:endParaRPr lang="en-US" dirty="0"/>
+          </a:p>
+          <a:p>
+            <a:r>
+              <a:rPr lang="en-US" dirty="0"/>
+              <a:t>Can import data files and turn them into </a:t>
+            </a:r>
+            <a:r>
+              <a:rPr lang="en-US" dirty="0" err="1"/>
+              <a:t>DataFrames</a:t>
+            </a:r>
+            <a:endParaRPr lang="en-US" dirty="0"/>
+          </a:p>
+          <a:p>
+            <a:pPr lvl="1"/>
+            <a:r>
+              <a:rPr lang="en-US" dirty="0"/>
+              <a:t>CSV (comma-separated values)</a:t>
+            </a:r>
+          </a:p>
+          <a:p>
+            <a:r>
+              <a:rPr lang="en-US" dirty="0"/>
+              <a:t>If you get stuck, look at the documentation! It is pretty good.</a:t>
+            </a:r>
+          </a:p>
+          <a:p>
+            <a:pPr marL="274320" lvl="1" indent="0">
+              <a:buNone/>
+            </a:pPr>
+            <a:endParaRPr lang="en-US" dirty="0"/>
+          </a:p>
+        </p:txBody>
+      </p:sp>
+    </p:spTree>
+    <p:extLst>
+      <p:ext uri="{BB962C8B-B14F-4D97-AF65-F5344CB8AC3E}">
+        <p14:creationId xmlns:p14="http://schemas.microsoft.com/office/powerpoint/2010/main" val="2288650845"/>
+      </p:ext>
+    </p:extLst>
+  </p:cSld>
+  <p:clrMapOvr>
+    <a:masterClrMapping/>
+  </p:clrMapOvr>
+</p:sld>
+</file>
+
+<file path=ppt/slides/slide15.xml><?xml version="1.0" encoding="utf-8"?>
+<p:sld xmlns:a="http://schemas.openxmlformats.org/drawingml/2006/main" xmlns:r="http://schemas.openxmlformats.org/officeDocument/2006/relationships" xmlns:p="http://schemas.openxmlformats.org/presentationml/2006/main">
+  <p:cSld>
+    <p:spTree>
+      <p:nvGrpSpPr>
+        <p:cNvPr id="1" name=""/>
+        <p:cNvGrpSpPr/>
+        <p:nvPr/>
+      </p:nvGrpSpPr>
+      <p:grpSpPr>
+        <a:xfrm>
+          <a:off x="0" y="0"/>
+          <a:ext cx="0" cy="0"/>
+          <a:chOff x="0" y="0"/>
+          <a:chExt cx="0" cy="0"/>
+        </a:xfrm>
+      </p:grpSpPr>
+      <p:sp>
+        <p:nvSpPr>
+          <p:cNvPr id="2" name="Title 1">
+            <a:extLst>
+              <a:ext uri="{FF2B5EF4-FFF2-40B4-BE49-F238E27FC236}">
                 <a16:creationId xmlns:a16="http://schemas.microsoft.com/office/drawing/2014/main" id="{8D014836-CB2A-4FBD-817B-C087AD31EDFC}"/>
               </a:ext>
             </a:extLst>
@@ -6287,7 +6466,7 @@
 </p:sld>
 </file>
 
-<file path=ppt/slides/slide15.xml><?xml version="1.0" encoding="utf-8"?>
+<file path=ppt/slides/slide16.xml><?xml version="1.0" encoding="utf-8"?>
 <p:sld xmlns:a="http://schemas.openxmlformats.org/drawingml/2006/main" xmlns:r="http://schemas.openxmlformats.org/officeDocument/2006/relationships" xmlns:p="http://schemas.openxmlformats.org/presentationml/2006/main">
   <p:cSld>
     <p:spTree>
@@ -6658,7 +6837,7 @@
           <p:cNvPr id="2" name="Title 1">
             <a:extLst>
               <a:ext uri="{FF2B5EF4-FFF2-40B4-BE49-F238E27FC236}">
-                <a16:creationId xmlns:a16="http://schemas.microsoft.com/office/drawing/2014/main" id="{BE3D1A1B-D13D-4D77-8B55-4A6A706538CD}"/>
+                <a16:creationId xmlns:a16="http://schemas.microsoft.com/office/drawing/2014/main" id="{1EF0881A-187E-4082-B742-AE624847E92B}"/>
               </a:ext>
             </a:extLst>
           </p:cNvPr>
@@ -6669,19 +6848,14 @@
             <p:ph type="title"/>
           </p:nvPr>
         </p:nvSpPr>
-        <p:spPr>
-          <a:xfrm>
-            <a:off x="953647" y="-550352"/>
-            <a:ext cx="9692640" cy="1325562"/>
-          </a:xfrm>
-        </p:spPr>
+        <p:spPr/>
         <p:txBody>
           <a:bodyPr/>
           <a:lstStyle/>
           <a:p>
             <a:r>
               <a:rPr lang="en-US" dirty="0"/>
-              <a:t>Homework Answers (30 mins)</a:t>
+              <a:t>Week 6 Check-ins</a:t>
             </a:r>
           </a:p>
         </p:txBody>
@@ -6691,7 +6865,7 @@
           <p:cNvPr id="3" name="Content Placeholder 2">
             <a:extLst>
               <a:ext uri="{FF2B5EF4-FFF2-40B4-BE49-F238E27FC236}">
-                <a16:creationId xmlns:a16="http://schemas.microsoft.com/office/drawing/2014/main" id="{1C31657E-A052-466D-9218-FD671392B5A7}"/>
+                <a16:creationId xmlns:a16="http://schemas.microsoft.com/office/drawing/2014/main" id="{8FB8A1B0-0542-41C4-8585-6E0A7ED0C564}"/>
               </a:ext>
             </a:extLst>
           </p:cNvPr>
@@ -6702,41 +6876,51 @@
             <p:ph idx="1"/>
           </p:nvPr>
         </p:nvSpPr>
-        <p:spPr>
-          <a:xfrm>
-            <a:off x="1210501" y="1503452"/>
-            <a:ext cx="8595360" cy="4351337"/>
-          </a:xfrm>
-        </p:spPr>
-        <p:txBody>
-          <a:bodyPr vert="horz" lIns="91440" tIns="45720" rIns="91440" bIns="45720" rtlCol="0" anchor="t">
-            <a:normAutofit/>
-          </a:bodyPr>
+        <p:spPr/>
+        <p:txBody>
+          <a:bodyPr/>
           <a:lstStyle/>
           <a:p>
             <a:r>
               <a:rPr lang="en-US" dirty="0"/>
-              <a:t>To save some time I will discuss a subset of answers.</a:t>
-            </a:r>
-          </a:p>
-          <a:p>
-            <a:r>
-              <a:rPr lang="en-US" dirty="0"/>
-              <a:t>Voluntarily slack answers to the #datascience channel</a:t>
-            </a:r>
-          </a:p>
-          <a:p>
-            <a:r>
-              <a:rPr lang="en-US" dirty="0"/>
-              <a:t>Don't be shy!</a:t>
-            </a:r>
+              <a:t>You need to have submitted at least 4 out of the 5 assignments </a:t>
+            </a:r>
+          </a:p>
+          <a:p>
+            <a:r>
+              <a:rPr lang="en-US" dirty="0"/>
+              <a:t>AND you need to get above 70% on those 4 assignments (21/30 minimum)</a:t>
+            </a:r>
+          </a:p>
+          <a:p>
+            <a:r>
+              <a:rPr lang="en-US" dirty="0"/>
+              <a:t>If you have below a 70% on an assignment, we strongly encourage you to fix it because these concepts are fundamental</a:t>
+            </a:r>
+          </a:p>
+          <a:p>
+            <a:r>
+              <a:rPr lang="en-US" dirty="0"/>
+              <a:t>You are allowed to miss one assignment for the whole class, BUT we typically encourage you to miss one later in the class when you are also applying for jobs</a:t>
+            </a:r>
+          </a:p>
+          <a:p>
+            <a:r>
+              <a:rPr lang="en-US" dirty="0"/>
+              <a:t>Very few people drop after this checkpoint because while the concepts do get harder, you will have a </a:t>
+            </a:r>
+            <a:r>
+              <a:rPr lang="en-US"/>
+              <a:t>stronger foundation</a:t>
+            </a:r>
+            <a:endParaRPr lang="en-US" dirty="0"/>
           </a:p>
         </p:txBody>
       </p:sp>
     </p:spTree>
     <p:extLst>
       <p:ext uri="{BB962C8B-B14F-4D97-AF65-F5344CB8AC3E}">
-        <p14:creationId xmlns:p14="http://schemas.microsoft.com/office/powerpoint/2010/main" val="2679292092"/>
+        <p14:creationId xmlns:p14="http://schemas.microsoft.com/office/powerpoint/2010/main" val="1959712523"/>
       </p:ext>
     </p:extLst>
   </p:cSld>
@@ -6768,7 +6952,7 @@
           <p:cNvPr id="2" name="Title 1">
             <a:extLst>
               <a:ext uri="{FF2B5EF4-FFF2-40B4-BE49-F238E27FC236}">
-                <a16:creationId xmlns:a16="http://schemas.microsoft.com/office/drawing/2014/main" id="{46098B4A-134A-4B13-83C8-B59995B2B57B}"/>
+                <a16:creationId xmlns:a16="http://schemas.microsoft.com/office/drawing/2014/main" id="{BE3D1A1B-D13D-4D77-8B55-4A6A706538CD}"/>
               </a:ext>
             </a:extLst>
           </p:cNvPr>
@@ -6779,14 +6963,19 @@
             <p:ph type="title"/>
           </p:nvPr>
         </p:nvSpPr>
-        <p:spPr/>
+        <p:spPr>
+          <a:xfrm>
+            <a:off x="953647" y="-550352"/>
+            <a:ext cx="9692640" cy="1325562"/>
+          </a:xfrm>
+        </p:spPr>
         <p:txBody>
           <a:bodyPr/>
           <a:lstStyle/>
           <a:p>
             <a:r>
               <a:rPr lang="en-US" dirty="0"/>
-              <a:t>NumPy Overview</a:t>
+              <a:t>Homework Answers (30 mins)</a:t>
             </a:r>
           </a:p>
         </p:txBody>
@@ -6796,7 +6985,7 @@
           <p:cNvPr id="3" name="Content Placeholder 2">
             <a:extLst>
               <a:ext uri="{FF2B5EF4-FFF2-40B4-BE49-F238E27FC236}">
-                <a16:creationId xmlns:a16="http://schemas.microsoft.com/office/drawing/2014/main" id="{3493880A-609B-4481-8F2D-A51B80B82D87}"/>
+                <a16:creationId xmlns:a16="http://schemas.microsoft.com/office/drawing/2014/main" id="{1C31657E-A052-466D-9218-FD671392B5A7}"/>
               </a:ext>
             </a:extLst>
           </p:cNvPr>
@@ -6807,103 +6996,41 @@
             <p:ph idx="1"/>
           </p:nvPr>
         </p:nvSpPr>
-        <p:spPr/>
-        <p:txBody>
-          <a:bodyPr/>
-          <a:lstStyle/>
-          <a:p>
-            <a:pPr marL="514350" indent="-514350">
-              <a:buFont typeface="+mj-lt"/>
-              <a:buAutoNum type="arabicPeriod"/>
-            </a:pPr>
-            <a:r>
-              <a:rPr lang="en-US" dirty="0"/>
-              <a:t>Arrays</a:t>
-            </a:r>
-          </a:p>
-          <a:p>
-            <a:pPr marL="514350" indent="-514350">
-              <a:buFont typeface="+mj-lt"/>
-              <a:buAutoNum type="arabicPeriod"/>
-            </a:pPr>
-            <a:r>
-              <a:rPr lang="en-US" dirty="0"/>
-              <a:t>Array Shaping and transposition</a:t>
-            </a:r>
-          </a:p>
-          <a:p>
-            <a:pPr marL="514350" indent="-514350">
-              <a:buFont typeface="+mj-lt"/>
-              <a:buAutoNum type="arabicPeriod"/>
-            </a:pPr>
-            <a:r>
-              <a:rPr lang="en-US" dirty="0"/>
-              <a:t>Array Math</a:t>
-            </a:r>
-          </a:p>
-          <a:p>
-            <a:pPr marL="514350" indent="-514350">
-              <a:buFont typeface="+mj-lt"/>
-              <a:buAutoNum type="arabicPeriod"/>
-            </a:pPr>
-            <a:r>
-              <a:rPr lang="en-US" dirty="0"/>
-              <a:t>Array Indexing and slicing</a:t>
-            </a:r>
-          </a:p>
-          <a:p>
-            <a:pPr marL="514350" indent="-514350">
-              <a:buFont typeface="+mj-lt"/>
-              <a:buAutoNum type="arabicPeriod"/>
-            </a:pPr>
-            <a:endParaRPr lang="en-US" dirty="0"/>
-          </a:p>
-          <a:p>
-            <a:pPr marL="0" indent="0">
-              <a:buNone/>
-            </a:pPr>
-            <a:r>
-              <a:rPr lang="en-US" dirty="0"/>
-              <a:t>NumPy is all about arrays!</a:t>
-            </a:r>
-          </a:p>
-        </p:txBody>
-      </p:sp>
-      <p:sp>
-        <p:nvSpPr>
-          <p:cNvPr id="4" name="Slide Number Placeholder 3">
-            <a:extLst>
-              <a:ext uri="{FF2B5EF4-FFF2-40B4-BE49-F238E27FC236}">
-                <a16:creationId xmlns:a16="http://schemas.microsoft.com/office/drawing/2014/main" id="{0158959C-82A3-41EB-86B6-F61D1129363B}"/>
-              </a:ext>
-            </a:extLst>
-          </p:cNvPr>
-          <p:cNvSpPr>
-            <a:spLocks noGrp="1"/>
-          </p:cNvSpPr>
-          <p:nvPr>
-            <p:ph type="sldNum" sz="quarter" idx="12"/>
-          </p:nvPr>
-        </p:nvSpPr>
-        <p:spPr/>
-        <p:txBody>
-          <a:bodyPr>
-            <a:normAutofit lnSpcReduction="10000"/>
+        <p:spPr>
+          <a:xfrm>
+            <a:off x="1210501" y="1503452"/>
+            <a:ext cx="8595360" cy="4351337"/>
+          </a:xfrm>
+        </p:spPr>
+        <p:txBody>
+          <a:bodyPr vert="horz" lIns="91440" tIns="45720" rIns="91440" bIns="45720" rtlCol="0" anchor="t">
+            <a:normAutofit/>
           </a:bodyPr>
           <a:lstStyle/>
           <a:p>
-            <a:fld id="{4FAB73BC-B049-4115-A692-8D63A059BFB8}" type="slidenum">
-              <a:rPr lang="en-US" smtClean="0"/>
-              <a:t>5</a:t>
-            </a:fld>
-            <a:endParaRPr lang="en-US" dirty="0"/>
+            <a:r>
+              <a:rPr lang="en-US" dirty="0"/>
+              <a:t>To save some time I will discuss a subset of answers.</a:t>
+            </a:r>
+          </a:p>
+          <a:p>
+            <a:r>
+              <a:rPr lang="en-US" dirty="0"/>
+              <a:t>Voluntarily slack answers to the #datascience channel</a:t>
+            </a:r>
+          </a:p>
+          <a:p>
+            <a:r>
+              <a:rPr lang="en-US" dirty="0"/>
+              <a:t>Don't be shy!</a:t>
+            </a:r>
           </a:p>
         </p:txBody>
       </p:sp>
     </p:spTree>
     <p:extLst>
       <p:ext uri="{BB962C8B-B14F-4D97-AF65-F5344CB8AC3E}">
-        <p14:creationId xmlns:p14="http://schemas.microsoft.com/office/powerpoint/2010/main" val="3946743168"/>
+        <p14:creationId xmlns:p14="http://schemas.microsoft.com/office/powerpoint/2010/main" val="2679292092"/>
       </p:ext>
     </p:extLst>
   </p:cSld>
@@ -6935,7 +7062,7 @@
           <p:cNvPr id="2" name="Title 1">
             <a:extLst>
               <a:ext uri="{FF2B5EF4-FFF2-40B4-BE49-F238E27FC236}">
-                <a16:creationId xmlns:a16="http://schemas.microsoft.com/office/drawing/2014/main" id="{329B280E-624C-472D-A44B-C9D553FEE79C}"/>
+                <a16:creationId xmlns:a16="http://schemas.microsoft.com/office/drawing/2014/main" id="{46098B4A-134A-4B13-83C8-B59995B2B57B}"/>
               </a:ext>
             </a:extLst>
           </p:cNvPr>
@@ -6953,7 +7080,7 @@
           <a:p>
             <a:r>
               <a:rPr lang="en-US" dirty="0"/>
-              <a:t>Shaping</a:t>
+              <a:t>NumPy Overview</a:t>
             </a:r>
           </a:p>
         </p:txBody>
@@ -6963,7 +7090,7 @@
           <p:cNvPr id="3" name="Content Placeholder 2">
             <a:extLst>
               <a:ext uri="{FF2B5EF4-FFF2-40B4-BE49-F238E27FC236}">
-                <a16:creationId xmlns:a16="http://schemas.microsoft.com/office/drawing/2014/main" id="{BFCD03DC-D93C-44FF-8EE4-91BB92EED889}"/>
+                <a16:creationId xmlns:a16="http://schemas.microsoft.com/office/drawing/2014/main" id="{3493880A-609B-4481-8F2D-A51B80B82D87}"/>
               </a:ext>
             </a:extLst>
           </p:cNvPr>
@@ -6974,119 +7101,10 @@
             <p:ph idx="1"/>
           </p:nvPr>
         </p:nvSpPr>
-        <p:spPr>
-          <a:xfrm>
-            <a:off x="1261871" y="1828800"/>
-            <a:ext cx="9235067" cy="4351337"/>
-          </a:xfrm>
-        </p:spPr>
+        <p:spPr/>
         <p:txBody>
           <a:bodyPr/>
           <a:lstStyle/>
-          <a:p>
-            <a:pPr marL="0" indent="0">
-              <a:buNone/>
-            </a:pPr>
-            <a:r>
-              <a:rPr lang="en-US" dirty="0">
-                <a:latin typeface="Courier New" panose="02070309020205020404" pitchFamily="49" charset="0"/>
-                <a:cs typeface="Courier New" panose="02070309020205020404" pitchFamily="49" charset="0"/>
-              </a:rPr>
-              <a:t>a = </a:t>
-            </a:r>
-            <a:r>
-              <a:rPr lang="en-US" dirty="0" err="1">
-                <a:latin typeface="Courier New" panose="02070309020205020404" pitchFamily="49" charset="0"/>
-                <a:cs typeface="Courier New" panose="02070309020205020404" pitchFamily="49" charset="0"/>
-              </a:rPr>
-              <a:t>np.array</a:t>
-            </a:r>
-            <a:r>
-              <a:rPr lang="en-US" dirty="0">
-                <a:latin typeface="Courier New" panose="02070309020205020404" pitchFamily="49" charset="0"/>
-                <a:cs typeface="Courier New" panose="02070309020205020404" pitchFamily="49" charset="0"/>
-              </a:rPr>
-              <a:t>([1,2,3,4,5,6])</a:t>
-            </a:r>
-          </a:p>
-          <a:p>
-            <a:pPr marL="0" indent="0">
-              <a:buNone/>
-            </a:pPr>
-            <a:r>
-              <a:rPr lang="en-US" dirty="0">
-                <a:latin typeface="Courier New" panose="02070309020205020404" pitchFamily="49" charset="0"/>
-                <a:cs typeface="Courier New" panose="02070309020205020404" pitchFamily="49" charset="0"/>
-              </a:rPr>
-              <a:t>a = </a:t>
-            </a:r>
-            <a:r>
-              <a:rPr lang="en-US" dirty="0" err="1">
-                <a:latin typeface="Courier New" panose="02070309020205020404" pitchFamily="49" charset="0"/>
-                <a:cs typeface="Courier New" panose="02070309020205020404" pitchFamily="49" charset="0"/>
-              </a:rPr>
-              <a:t>a.reshape</a:t>
-            </a:r>
-            <a:r>
-              <a:rPr lang="en-US" dirty="0">
-                <a:latin typeface="Courier New" panose="02070309020205020404" pitchFamily="49" charset="0"/>
-                <a:cs typeface="Courier New" panose="02070309020205020404" pitchFamily="49" charset="0"/>
-              </a:rPr>
-              <a:t>(3,2)</a:t>
-            </a:r>
-          </a:p>
-          <a:p>
-            <a:pPr marL="0" indent="0">
-              <a:buNone/>
-            </a:pPr>
-            <a:r>
-              <a:rPr lang="en-US" dirty="0">
-                <a:latin typeface="Courier New" panose="02070309020205020404" pitchFamily="49" charset="0"/>
-                <a:cs typeface="Courier New" panose="02070309020205020404" pitchFamily="49" charset="0"/>
-              </a:rPr>
-              <a:t>a = </a:t>
-            </a:r>
-            <a:r>
-              <a:rPr lang="en-US" dirty="0" err="1">
-                <a:latin typeface="Courier New" panose="02070309020205020404" pitchFamily="49" charset="0"/>
-                <a:cs typeface="Courier New" panose="02070309020205020404" pitchFamily="49" charset="0"/>
-              </a:rPr>
-              <a:t>a.reshape</a:t>
-            </a:r>
-            <a:r>
-              <a:rPr lang="en-US" dirty="0">
-                <a:latin typeface="Courier New" panose="02070309020205020404" pitchFamily="49" charset="0"/>
-                <a:cs typeface="Courier New" panose="02070309020205020404" pitchFamily="49" charset="0"/>
-              </a:rPr>
-              <a:t>(2,-1)</a:t>
-            </a:r>
-          </a:p>
-          <a:p>
-            <a:pPr marL="0" indent="0">
-              <a:buNone/>
-            </a:pPr>
-            <a:r>
-              <a:rPr lang="en-US" dirty="0">
-                <a:latin typeface="Courier New" panose="02070309020205020404" pitchFamily="49" charset="0"/>
-                <a:cs typeface="Courier New" panose="02070309020205020404" pitchFamily="49" charset="0"/>
-              </a:rPr>
-              <a:t>a = </a:t>
-            </a:r>
-            <a:r>
-              <a:rPr lang="en-US" dirty="0" err="1">
-                <a:latin typeface="Courier New" panose="02070309020205020404" pitchFamily="49" charset="0"/>
-                <a:cs typeface="Courier New" panose="02070309020205020404" pitchFamily="49" charset="0"/>
-              </a:rPr>
-              <a:t>a.ravel</a:t>
-            </a:r>
-            <a:r>
-              <a:rPr lang="en-US" dirty="0">
-                <a:latin typeface="Courier New" panose="02070309020205020404" pitchFamily="49" charset="0"/>
-                <a:cs typeface="Courier New" panose="02070309020205020404" pitchFamily="49" charset="0"/>
-              </a:rPr>
-              <a:t>()</a:t>
-            </a:r>
-          </a:p>
           <a:p>
             <a:pPr marL="514350" indent="-514350">
               <a:buFont typeface="+mj-lt"/>
@@ -7094,7 +7112,7 @@
             </a:pPr>
             <a:r>
               <a:rPr lang="en-US" dirty="0"/>
-              <a:t>Total number of elements cannot change.</a:t>
+              <a:t>Arrays</a:t>
             </a:r>
           </a:p>
           <a:p>
@@ -7104,7 +7122,7 @@
             </a:pPr>
             <a:r>
               <a:rPr lang="en-US" dirty="0"/>
-              <a:t>Use -1 to infer axis shape</a:t>
+              <a:t>Array Shaping and transposition</a:t>
             </a:r>
           </a:p>
           <a:p>
@@ -7114,17 +7132,43 @@
             </a:pPr>
             <a:r>
               <a:rPr lang="en-US" dirty="0"/>
-              <a:t>Row-major by</a:t>
-            </a:r>
-          </a:p>
-        </p:txBody>
-      </p:sp>
-      <p:sp>
-        <p:nvSpPr>
-          <p:cNvPr id="5" name="Slide Number Placeholder 4">
+              <a:t>Array Math</a:t>
+            </a:r>
+          </a:p>
+          <a:p>
+            <a:pPr marL="514350" indent="-514350">
+              <a:buFont typeface="+mj-lt"/>
+              <a:buAutoNum type="arabicPeriod"/>
+            </a:pPr>
+            <a:r>
+              <a:rPr lang="en-US" dirty="0"/>
+              <a:t>Array Indexing and slicing</a:t>
+            </a:r>
+          </a:p>
+          <a:p>
+            <a:pPr marL="514350" indent="-514350">
+              <a:buFont typeface="+mj-lt"/>
+              <a:buAutoNum type="arabicPeriod"/>
+            </a:pPr>
+            <a:endParaRPr lang="en-US" dirty="0"/>
+          </a:p>
+          <a:p>
+            <a:pPr marL="0" indent="0">
+              <a:buNone/>
+            </a:pPr>
+            <a:r>
+              <a:rPr lang="en-US" dirty="0"/>
+              <a:t>NumPy is all about arrays!</a:t>
+            </a:r>
+          </a:p>
+        </p:txBody>
+      </p:sp>
+      <p:sp>
+        <p:nvSpPr>
+          <p:cNvPr id="4" name="Slide Number Placeholder 3">
             <a:extLst>
               <a:ext uri="{FF2B5EF4-FFF2-40B4-BE49-F238E27FC236}">
-                <a16:creationId xmlns:a16="http://schemas.microsoft.com/office/drawing/2014/main" id="{3B50F944-BFC9-488F-9A3B-65D19B301B98}"/>
+                <a16:creationId xmlns:a16="http://schemas.microsoft.com/office/drawing/2014/main" id="{0158959C-82A3-41EB-86B6-F61D1129363B}"/>
               </a:ext>
             </a:extLst>
           </p:cNvPr>
@@ -7153,7 +7197,7 @@
     </p:spTree>
     <p:extLst>
       <p:ext uri="{BB962C8B-B14F-4D97-AF65-F5344CB8AC3E}">
-        <p14:creationId xmlns:p14="http://schemas.microsoft.com/office/powerpoint/2010/main" val="2512537760"/>
+        <p14:creationId xmlns:p14="http://schemas.microsoft.com/office/powerpoint/2010/main" val="3946743168"/>
       </p:ext>
     </p:extLst>
   </p:cSld>
@@ -7185,7 +7229,7 @@
           <p:cNvPr id="2" name="Title 1">
             <a:extLst>
               <a:ext uri="{FF2B5EF4-FFF2-40B4-BE49-F238E27FC236}">
-                <a16:creationId xmlns:a16="http://schemas.microsoft.com/office/drawing/2014/main" id="{86F60D98-DD27-4ACB-A354-CE3E9AC03B0B}"/>
+                <a16:creationId xmlns:a16="http://schemas.microsoft.com/office/drawing/2014/main" id="{329B280E-624C-472D-A44B-C9D553FEE79C}"/>
               </a:ext>
             </a:extLst>
           </p:cNvPr>
@@ -7203,7 +7247,7 @@
           <a:p>
             <a:r>
               <a:rPr lang="en-US" dirty="0"/>
-              <a:t>Transposition</a:t>
+              <a:t>Shaping</a:t>
             </a:r>
           </a:p>
         </p:txBody>
@@ -7213,7 +7257,7 @@
           <p:cNvPr id="3" name="Content Placeholder 2">
             <a:extLst>
               <a:ext uri="{FF2B5EF4-FFF2-40B4-BE49-F238E27FC236}">
-                <a16:creationId xmlns:a16="http://schemas.microsoft.com/office/drawing/2014/main" id="{9DACA501-3E9A-4215-B15A-E787209F5531}"/>
+                <a16:creationId xmlns:a16="http://schemas.microsoft.com/office/drawing/2014/main" id="{BFCD03DC-D93C-44FF-8EE4-91BB92EED889}"/>
               </a:ext>
             </a:extLst>
           </p:cNvPr>
@@ -7224,11 +7268,14 @@
             <p:ph idx="1"/>
           </p:nvPr>
         </p:nvSpPr>
-        <p:spPr/>
-        <p:txBody>
-          <a:bodyPr>
-            <a:normAutofit/>
-          </a:bodyPr>
+        <p:spPr>
+          <a:xfrm>
+            <a:off x="1261871" y="1828800"/>
+            <a:ext cx="9235067" cy="4351337"/>
+          </a:xfrm>
+        </p:spPr>
+        <p:txBody>
+          <a:bodyPr/>
           <a:lstStyle/>
           <a:p>
             <a:pPr marL="0" indent="0">
@@ -7246,14 +7293,14 @@
                 <a:latin typeface="Courier New" panose="02070309020205020404" pitchFamily="49" charset="0"/>
                 <a:cs typeface="Courier New" panose="02070309020205020404" pitchFamily="49" charset="0"/>
               </a:rPr>
-              <a:t>np.arange</a:t>
+              <a:t>np.array</a:t>
             </a:r>
             <a:r>
               <a:rPr lang="en-US" dirty="0">
                 <a:latin typeface="Courier New" panose="02070309020205020404" pitchFamily="49" charset="0"/>
                 <a:cs typeface="Courier New" panose="02070309020205020404" pitchFamily="49" charset="0"/>
               </a:rPr>
-              <a:t>(10).reshape(5,2) </a:t>
+              <a:t>([1,2,3,4,5,6])</a:t>
             </a:r>
           </a:p>
           <a:p>
@@ -7272,14 +7319,14 @@
                 <a:latin typeface="Courier New" panose="02070309020205020404" pitchFamily="49" charset="0"/>
                 <a:cs typeface="Courier New" panose="02070309020205020404" pitchFamily="49" charset="0"/>
               </a:rPr>
-              <a:t>a.T</a:t>
+              <a:t>a.reshape</a:t>
             </a:r>
             <a:r>
               <a:rPr lang="en-US" dirty="0">
                 <a:latin typeface="Courier New" panose="02070309020205020404" pitchFamily="49" charset="0"/>
                 <a:cs typeface="Courier New" panose="02070309020205020404" pitchFamily="49" charset="0"/>
               </a:rPr>
-              <a:t> </a:t>
+              <a:t>(3,2)</a:t>
             </a:r>
           </a:p>
           <a:p>
@@ -7298,56 +7345,80 @@
                 <a:latin typeface="Courier New" panose="02070309020205020404" pitchFamily="49" charset="0"/>
                 <a:cs typeface="Courier New" panose="02070309020205020404" pitchFamily="49" charset="0"/>
               </a:rPr>
-              <a:t>a.transpose</a:t>
+              <a:t>a.reshape</a:t>
             </a:r>
             <a:r>
               <a:rPr lang="en-US" dirty="0">
                 <a:latin typeface="Courier New" panose="02070309020205020404" pitchFamily="49" charset="0"/>
                 <a:cs typeface="Courier New" panose="02070309020205020404" pitchFamily="49" charset="0"/>
               </a:rPr>
-              <a:t>((1,0)) </a:t>
+              <a:t>(2,-1)</a:t>
             </a:r>
           </a:p>
           <a:p>
             <a:pPr marL="0" indent="0">
               <a:buNone/>
             </a:pPr>
-            <a:endParaRPr lang="en-US" dirty="0"/>
-          </a:p>
-          <a:p>
-            <a:pPr marL="0" indent="0">
-              <a:buNone/>
+            <a:r>
+              <a:rPr lang="en-US" dirty="0">
+                <a:latin typeface="Courier New" panose="02070309020205020404" pitchFamily="49" charset="0"/>
+                <a:cs typeface="Courier New" panose="02070309020205020404" pitchFamily="49" charset="0"/>
+              </a:rPr>
+              <a:t>a = </a:t>
+            </a:r>
+            <a:r>
+              <a:rPr lang="en-US" dirty="0" err="1">
+                <a:latin typeface="Courier New" panose="02070309020205020404" pitchFamily="49" charset="0"/>
+                <a:cs typeface="Courier New" panose="02070309020205020404" pitchFamily="49" charset="0"/>
+              </a:rPr>
+              <a:t>a.ravel</a:t>
+            </a:r>
+            <a:r>
+              <a:rPr lang="en-US" dirty="0">
+                <a:latin typeface="Courier New" panose="02070309020205020404" pitchFamily="49" charset="0"/>
+                <a:cs typeface="Courier New" panose="02070309020205020404" pitchFamily="49" charset="0"/>
+              </a:rPr>
+              <a:t>()</a:t>
+            </a:r>
+          </a:p>
+          <a:p>
+            <a:pPr marL="514350" indent="-514350">
+              <a:buFont typeface="+mj-lt"/>
+              <a:buAutoNum type="arabicPeriod"/>
             </a:pPr>
             <a:r>
-              <a:rPr lang="en-US" dirty="0" err="1"/>
-              <a:t>np.transpose</a:t>
-            </a:r>
-            <a:r>
-              <a:rPr lang="en-US" dirty="0"/>
-              <a:t> permutes axes.</a:t>
-            </a:r>
-          </a:p>
-          <a:p>
-            <a:pPr marL="0" indent="0">
-              <a:buNone/>
+              <a:rPr lang="en-US" dirty="0"/>
+              <a:t>Total number of elements cannot change.</a:t>
+            </a:r>
+          </a:p>
+          <a:p>
+            <a:pPr marL="514350" indent="-514350">
+              <a:buFont typeface="+mj-lt"/>
+              <a:buAutoNum type="arabicPeriod"/>
             </a:pPr>
             <a:r>
-              <a:rPr lang="en-US" dirty="0" err="1"/>
-              <a:t>a.T</a:t>
-            </a:r>
-            <a:r>
-              <a:rPr lang="en-US" dirty="0"/>
-              <a:t> transposes the first two axes.</a:t>
-            </a:r>
-          </a:p>
-        </p:txBody>
-      </p:sp>
-      <p:sp>
-        <p:nvSpPr>
-          <p:cNvPr id="4" name="Slide Number Placeholder 3">
+              <a:rPr lang="en-US" dirty="0"/>
+              <a:t>Use -1 to infer axis shape</a:t>
+            </a:r>
+          </a:p>
+          <a:p>
+            <a:pPr marL="514350" indent="-514350">
+              <a:buFont typeface="+mj-lt"/>
+              <a:buAutoNum type="arabicPeriod"/>
+            </a:pPr>
+            <a:r>
+              <a:rPr lang="en-US" dirty="0"/>
+              <a:t>Row-major by</a:t>
+            </a:r>
+          </a:p>
+        </p:txBody>
+      </p:sp>
+      <p:sp>
+        <p:nvSpPr>
+          <p:cNvPr id="5" name="Slide Number Placeholder 4">
             <a:extLst>
               <a:ext uri="{FF2B5EF4-FFF2-40B4-BE49-F238E27FC236}">
-                <a16:creationId xmlns:a16="http://schemas.microsoft.com/office/drawing/2014/main" id="{3DD6EDE9-F5EC-47DA-B6AE-942707709AE4}"/>
+                <a16:creationId xmlns:a16="http://schemas.microsoft.com/office/drawing/2014/main" id="{3B50F944-BFC9-488F-9A3B-65D19B301B98}"/>
               </a:ext>
             </a:extLst>
           </p:cNvPr>
@@ -7376,7 +7447,7 @@
     </p:spTree>
     <p:extLst>
       <p:ext uri="{BB962C8B-B14F-4D97-AF65-F5344CB8AC3E}">
-        <p14:creationId xmlns:p14="http://schemas.microsoft.com/office/powerpoint/2010/main" val="1355263528"/>
+        <p14:creationId xmlns:p14="http://schemas.microsoft.com/office/powerpoint/2010/main" val="2512537760"/>
       </p:ext>
     </p:extLst>
   </p:cSld>
@@ -7408,6 +7479,229 @@
           <p:cNvPr id="2" name="Title 1">
             <a:extLst>
               <a:ext uri="{FF2B5EF4-FFF2-40B4-BE49-F238E27FC236}">
+                <a16:creationId xmlns:a16="http://schemas.microsoft.com/office/drawing/2014/main" id="{86F60D98-DD27-4ACB-A354-CE3E9AC03B0B}"/>
+              </a:ext>
+            </a:extLst>
+          </p:cNvPr>
+          <p:cNvSpPr>
+            <a:spLocks noGrp="1"/>
+          </p:cNvSpPr>
+          <p:nvPr>
+            <p:ph type="title"/>
+          </p:nvPr>
+        </p:nvSpPr>
+        <p:spPr/>
+        <p:txBody>
+          <a:bodyPr/>
+          <a:lstStyle/>
+          <a:p>
+            <a:r>
+              <a:rPr lang="en-US" dirty="0"/>
+              <a:t>Transposition</a:t>
+            </a:r>
+          </a:p>
+        </p:txBody>
+      </p:sp>
+      <p:sp>
+        <p:nvSpPr>
+          <p:cNvPr id="3" name="Content Placeholder 2">
+            <a:extLst>
+              <a:ext uri="{FF2B5EF4-FFF2-40B4-BE49-F238E27FC236}">
+                <a16:creationId xmlns:a16="http://schemas.microsoft.com/office/drawing/2014/main" id="{9DACA501-3E9A-4215-B15A-E787209F5531}"/>
+              </a:ext>
+            </a:extLst>
+          </p:cNvPr>
+          <p:cNvSpPr>
+            <a:spLocks noGrp="1"/>
+          </p:cNvSpPr>
+          <p:nvPr>
+            <p:ph idx="1"/>
+          </p:nvPr>
+        </p:nvSpPr>
+        <p:spPr/>
+        <p:txBody>
+          <a:bodyPr>
+            <a:normAutofit/>
+          </a:bodyPr>
+          <a:lstStyle/>
+          <a:p>
+            <a:pPr marL="0" indent="0">
+              <a:buNone/>
+            </a:pPr>
+            <a:r>
+              <a:rPr lang="en-US" dirty="0">
+                <a:latin typeface="Courier New" panose="02070309020205020404" pitchFamily="49" charset="0"/>
+                <a:cs typeface="Courier New" panose="02070309020205020404" pitchFamily="49" charset="0"/>
+              </a:rPr>
+              <a:t>a = </a:t>
+            </a:r>
+            <a:r>
+              <a:rPr lang="en-US" dirty="0" err="1">
+                <a:latin typeface="Courier New" panose="02070309020205020404" pitchFamily="49" charset="0"/>
+                <a:cs typeface="Courier New" panose="02070309020205020404" pitchFamily="49" charset="0"/>
+              </a:rPr>
+              <a:t>np.arange</a:t>
+            </a:r>
+            <a:r>
+              <a:rPr lang="en-US" dirty="0">
+                <a:latin typeface="Courier New" panose="02070309020205020404" pitchFamily="49" charset="0"/>
+                <a:cs typeface="Courier New" panose="02070309020205020404" pitchFamily="49" charset="0"/>
+              </a:rPr>
+              <a:t>(10).reshape(5,2) </a:t>
+            </a:r>
+          </a:p>
+          <a:p>
+            <a:pPr marL="0" indent="0">
+              <a:buNone/>
+            </a:pPr>
+            <a:r>
+              <a:rPr lang="en-US" dirty="0">
+                <a:latin typeface="Courier New" panose="02070309020205020404" pitchFamily="49" charset="0"/>
+                <a:cs typeface="Courier New" panose="02070309020205020404" pitchFamily="49" charset="0"/>
+              </a:rPr>
+              <a:t>a = </a:t>
+            </a:r>
+            <a:r>
+              <a:rPr lang="en-US" dirty="0" err="1">
+                <a:latin typeface="Courier New" panose="02070309020205020404" pitchFamily="49" charset="0"/>
+                <a:cs typeface="Courier New" panose="02070309020205020404" pitchFamily="49" charset="0"/>
+              </a:rPr>
+              <a:t>a.T</a:t>
+            </a:r>
+            <a:r>
+              <a:rPr lang="en-US" dirty="0">
+                <a:latin typeface="Courier New" panose="02070309020205020404" pitchFamily="49" charset="0"/>
+                <a:cs typeface="Courier New" panose="02070309020205020404" pitchFamily="49" charset="0"/>
+              </a:rPr>
+              <a:t> </a:t>
+            </a:r>
+          </a:p>
+          <a:p>
+            <a:pPr marL="0" indent="0">
+              <a:buNone/>
+            </a:pPr>
+            <a:r>
+              <a:rPr lang="en-US" dirty="0">
+                <a:latin typeface="Courier New" panose="02070309020205020404" pitchFamily="49" charset="0"/>
+                <a:cs typeface="Courier New" panose="02070309020205020404" pitchFamily="49" charset="0"/>
+              </a:rPr>
+              <a:t>a = </a:t>
+            </a:r>
+            <a:r>
+              <a:rPr lang="en-US" dirty="0" err="1">
+                <a:latin typeface="Courier New" panose="02070309020205020404" pitchFamily="49" charset="0"/>
+                <a:cs typeface="Courier New" panose="02070309020205020404" pitchFamily="49" charset="0"/>
+              </a:rPr>
+              <a:t>a.transpose</a:t>
+            </a:r>
+            <a:r>
+              <a:rPr lang="en-US" dirty="0">
+                <a:latin typeface="Courier New" panose="02070309020205020404" pitchFamily="49" charset="0"/>
+                <a:cs typeface="Courier New" panose="02070309020205020404" pitchFamily="49" charset="0"/>
+              </a:rPr>
+              <a:t>((1,0)) </a:t>
+            </a:r>
+          </a:p>
+          <a:p>
+            <a:pPr marL="0" indent="0">
+              <a:buNone/>
+            </a:pPr>
+            <a:endParaRPr lang="en-US" dirty="0"/>
+          </a:p>
+          <a:p>
+            <a:pPr marL="0" indent="0">
+              <a:buNone/>
+            </a:pPr>
+            <a:r>
+              <a:rPr lang="en-US" dirty="0" err="1"/>
+              <a:t>np.transpose</a:t>
+            </a:r>
+            <a:r>
+              <a:rPr lang="en-US" dirty="0"/>
+              <a:t> permutes axes.</a:t>
+            </a:r>
+          </a:p>
+          <a:p>
+            <a:pPr marL="0" indent="0">
+              <a:buNone/>
+            </a:pPr>
+            <a:r>
+              <a:rPr lang="en-US" dirty="0" err="1"/>
+              <a:t>a.T</a:t>
+            </a:r>
+            <a:r>
+              <a:rPr lang="en-US" dirty="0"/>
+              <a:t> transposes the first two axes.</a:t>
+            </a:r>
+          </a:p>
+        </p:txBody>
+      </p:sp>
+      <p:sp>
+        <p:nvSpPr>
+          <p:cNvPr id="4" name="Slide Number Placeholder 3">
+            <a:extLst>
+              <a:ext uri="{FF2B5EF4-FFF2-40B4-BE49-F238E27FC236}">
+                <a16:creationId xmlns:a16="http://schemas.microsoft.com/office/drawing/2014/main" id="{3DD6EDE9-F5EC-47DA-B6AE-942707709AE4}"/>
+              </a:ext>
+            </a:extLst>
+          </p:cNvPr>
+          <p:cNvSpPr>
+            <a:spLocks noGrp="1"/>
+          </p:cNvSpPr>
+          <p:nvPr>
+            <p:ph type="sldNum" sz="quarter" idx="12"/>
+          </p:nvPr>
+        </p:nvSpPr>
+        <p:spPr/>
+        <p:txBody>
+          <a:bodyPr>
+            <a:normAutofit lnSpcReduction="10000"/>
+          </a:bodyPr>
+          <a:lstStyle/>
+          <a:p>
+            <a:fld id="{4FAB73BC-B049-4115-A692-8D63A059BFB8}" type="slidenum">
+              <a:rPr lang="en-US" smtClean="0"/>
+              <a:t>8</a:t>
+            </a:fld>
+            <a:endParaRPr lang="en-US" dirty="0"/>
+          </a:p>
+        </p:txBody>
+      </p:sp>
+    </p:spTree>
+    <p:extLst>
+      <p:ext uri="{BB962C8B-B14F-4D97-AF65-F5344CB8AC3E}">
+        <p14:creationId xmlns:p14="http://schemas.microsoft.com/office/powerpoint/2010/main" val="1355263528"/>
+      </p:ext>
+    </p:extLst>
+  </p:cSld>
+  <p:clrMapOvr>
+    <a:masterClrMapping/>
+  </p:clrMapOvr>
+</p:sld>
+</file>
+
+<file path=ppt/slides/slide9.xml><?xml version="1.0" encoding="utf-8"?>
+<p:sld xmlns:a="http://schemas.openxmlformats.org/drawingml/2006/main" xmlns:r="http://schemas.openxmlformats.org/officeDocument/2006/relationships" xmlns:p="http://schemas.openxmlformats.org/presentationml/2006/main">
+  <p:cSld>
+    <p:spTree>
+      <p:nvGrpSpPr>
+        <p:cNvPr id="1" name=""/>
+        <p:cNvGrpSpPr/>
+        <p:nvPr/>
+      </p:nvGrpSpPr>
+      <p:grpSpPr>
+        <a:xfrm>
+          <a:off x="0" y="0"/>
+          <a:ext cx="0" cy="0"/>
+          <a:chOff x="0" y="0"/>
+          <a:chExt cx="0" cy="0"/>
+        </a:xfrm>
+      </p:grpSpPr>
+      <p:sp>
+        <p:nvSpPr>
+          <p:cNvPr id="2" name="Title 1">
+            <a:extLst>
+              <a:ext uri="{FF2B5EF4-FFF2-40B4-BE49-F238E27FC236}">
                 <a16:creationId xmlns:a16="http://schemas.microsoft.com/office/drawing/2014/main" id="{99262955-94F5-41E5-8028-CC785B438DF0}"/>
               </a:ext>
             </a:extLst>
@@ -7554,7 +7848,7 @@
           <a:p>
             <a:fld id="{4FAB73BC-B049-4115-A692-8D63A059BFB8}" type="slidenum">
               <a:rPr lang="en-US" smtClean="0"/>
-              <a:t>8</a:t>
+              <a:t>9</a:t>
             </a:fld>
             <a:endParaRPr lang="en-US" dirty="0"/>
           </a:p>
@@ -7611,184 +7905,6 @@
     <p:extLst>
       <p:ext uri="{BB962C8B-B14F-4D97-AF65-F5344CB8AC3E}">
         <p14:creationId xmlns:p14="http://schemas.microsoft.com/office/powerpoint/2010/main" val="1992255879"/>
-      </p:ext>
-    </p:extLst>
-  </p:cSld>
-  <p:clrMapOvr>
-    <a:masterClrMapping/>
-  </p:clrMapOvr>
-</p:sld>
-</file>
-
-<file path=ppt/slides/slide9.xml><?xml version="1.0" encoding="utf-8"?>
-<p:sld xmlns:a="http://schemas.openxmlformats.org/drawingml/2006/main" xmlns:r="http://schemas.openxmlformats.org/officeDocument/2006/relationships" xmlns:p="http://schemas.openxmlformats.org/presentationml/2006/main">
-  <p:cSld>
-    <p:spTree>
-      <p:nvGrpSpPr>
-        <p:cNvPr id="1" name=""/>
-        <p:cNvGrpSpPr/>
-        <p:nvPr/>
-      </p:nvGrpSpPr>
-      <p:grpSpPr>
-        <a:xfrm>
-          <a:off x="0" y="0"/>
-          <a:ext cx="0" cy="0"/>
-          <a:chOff x="0" y="0"/>
-          <a:chExt cx="0" cy="0"/>
-        </a:xfrm>
-      </p:grpSpPr>
-      <p:sp>
-        <p:nvSpPr>
-          <p:cNvPr id="2" name="Title 1">
-            <a:extLst>
-              <a:ext uri="{FF2B5EF4-FFF2-40B4-BE49-F238E27FC236}">
-                <a16:creationId xmlns:a16="http://schemas.microsoft.com/office/drawing/2014/main" id="{359829A8-3687-423E-8E54-A142B03D0B1D}"/>
-              </a:ext>
-            </a:extLst>
-          </p:cNvPr>
-          <p:cNvSpPr>
-            <a:spLocks noGrp="1"/>
-          </p:cNvSpPr>
-          <p:nvPr>
-            <p:ph type="title"/>
-          </p:nvPr>
-        </p:nvSpPr>
-        <p:spPr/>
-        <p:txBody>
-          <a:bodyPr/>
-          <a:lstStyle/>
-          <a:p>
-            <a:r>
-              <a:rPr lang="en-US" dirty="0"/>
-              <a:t>Indexing</a:t>
-            </a:r>
-          </a:p>
-        </p:txBody>
-      </p:sp>
-      <p:sp>
-        <p:nvSpPr>
-          <p:cNvPr id="3" name="Content Placeholder 2">
-            <a:extLst>
-              <a:ext uri="{FF2B5EF4-FFF2-40B4-BE49-F238E27FC236}">
-                <a16:creationId xmlns:a16="http://schemas.microsoft.com/office/drawing/2014/main" id="{F1A9F7A8-CCA5-49A9-8B3C-99C2259F06B9}"/>
-              </a:ext>
-            </a:extLst>
-          </p:cNvPr>
-          <p:cNvSpPr>
-            <a:spLocks noGrp="1"/>
-          </p:cNvSpPr>
-          <p:nvPr>
-            <p:ph idx="1"/>
-          </p:nvPr>
-        </p:nvSpPr>
-        <p:spPr/>
-        <p:txBody>
-          <a:bodyPr>
-            <a:normAutofit/>
-          </a:bodyPr>
-          <a:lstStyle/>
-          <a:p>
-            <a:pPr marL="0" indent="0">
-              <a:buNone/>
-            </a:pPr>
-            <a:r>
-              <a:rPr lang="en-US" sz="2600" dirty="0">
-                <a:latin typeface="Courier New" panose="02070309020205020404" pitchFamily="49" charset="0"/>
-                <a:cs typeface="Courier New" panose="02070309020205020404" pitchFamily="49" charset="0"/>
-              </a:rPr>
-              <a:t>a[0,0]  	# top-left element</a:t>
-            </a:r>
-          </a:p>
-          <a:p>
-            <a:pPr marL="0" indent="0">
-              <a:buNone/>
-            </a:pPr>
-            <a:r>
-              <a:rPr lang="en-US" sz="2600" dirty="0">
-                <a:latin typeface="Courier New" panose="02070309020205020404" pitchFamily="49" charset="0"/>
-                <a:cs typeface="Courier New" panose="02070309020205020404" pitchFamily="49" charset="0"/>
-              </a:rPr>
-              <a:t>a[0,-1] 	# first row, last column</a:t>
-            </a:r>
-          </a:p>
-          <a:p>
-            <a:pPr marL="0" indent="0">
-              <a:buNone/>
-            </a:pPr>
-            <a:r>
-              <a:rPr lang="en-US" sz="2600" dirty="0">
-                <a:latin typeface="Courier New" panose="02070309020205020404" pitchFamily="49" charset="0"/>
-                <a:cs typeface="Courier New" panose="02070309020205020404" pitchFamily="49" charset="0"/>
-              </a:rPr>
-              <a:t>a[0,:]	# first row (many entries)</a:t>
-            </a:r>
-          </a:p>
-          <a:p>
-            <a:pPr marL="0" indent="0">
-              <a:buNone/>
-            </a:pPr>
-            <a:r>
-              <a:rPr lang="en-US" sz="2600" dirty="0">
-                <a:latin typeface="Courier New" panose="02070309020205020404" pitchFamily="49" charset="0"/>
-                <a:cs typeface="Courier New" panose="02070309020205020404" pitchFamily="49" charset="0"/>
-              </a:rPr>
-              <a:t>a[:,0]	# first column (many entries)</a:t>
-            </a:r>
-            <a:endParaRPr lang="en-US" dirty="0"/>
-          </a:p>
-          <a:p>
-            <a:pPr marL="0" indent="0">
-              <a:buNone/>
-            </a:pPr>
-            <a:r>
-              <a:rPr lang="en-US" dirty="0"/>
-              <a:t>Notes:</a:t>
-            </a:r>
-          </a:p>
-          <a:p>
-            <a:pPr lvl="1"/>
-            <a:r>
-              <a:rPr lang="en-US" dirty="0"/>
-              <a:t>Zero-indexing</a:t>
-            </a:r>
-          </a:p>
-        </p:txBody>
-      </p:sp>
-      <p:sp>
-        <p:nvSpPr>
-          <p:cNvPr id="4" name="Slide Number Placeholder 3">
-            <a:extLst>
-              <a:ext uri="{FF2B5EF4-FFF2-40B4-BE49-F238E27FC236}">
-                <a16:creationId xmlns:a16="http://schemas.microsoft.com/office/drawing/2014/main" id="{A74BC654-7FE9-4E8A-BAFB-E8869D3BC241}"/>
-              </a:ext>
-            </a:extLst>
-          </p:cNvPr>
-          <p:cNvSpPr>
-            <a:spLocks noGrp="1"/>
-          </p:cNvSpPr>
-          <p:nvPr>
-            <p:ph type="sldNum" sz="quarter" idx="12"/>
-          </p:nvPr>
-        </p:nvSpPr>
-        <p:spPr/>
-        <p:txBody>
-          <a:bodyPr>
-            <a:normAutofit lnSpcReduction="10000"/>
-          </a:bodyPr>
-          <a:lstStyle/>
-          <a:p>
-            <a:fld id="{4FAB73BC-B049-4115-A692-8D63A059BFB8}" type="slidenum">
-              <a:rPr lang="en-US" smtClean="0"/>
-              <a:t>9</a:t>
-            </a:fld>
-            <a:endParaRPr lang="en-US" dirty="0"/>
-          </a:p>
-        </p:txBody>
-      </p:sp>
-    </p:spTree>
-    <p:extLst>
-      <p:ext uri="{BB962C8B-B14F-4D97-AF65-F5344CB8AC3E}">
-        <p14:creationId xmlns:p14="http://schemas.microsoft.com/office/powerpoint/2010/main" val="2407682349"/>
       </p:ext>
     </p:extLst>
   </p:cSld>

--- a/course_material/week_04/week_04_presentation.pptx
+++ b/course_material/week_04/week_04_presentation.pptx
@@ -1838,7 +1838,7 @@
           <a:p>
             <a:fld id="{5CF9EFDB-215C-4120-ADCB-EAD745B7163E}" type="datetimeFigureOut">
               <a:rPr lang="en-US" smtClean="0"/>
-              <a:t>10/4/2021</a:t>
+              <a:t>10/6/2021</a:t>
             </a:fld>
             <a:endParaRPr lang="en-US"/>
           </a:p>
@@ -2386,7 +2386,7 @@
           <a:p>
             <a:fld id="{ACF1A1B0-862D-4909-A7DB-D8ADA062DFCA}" type="datetimeFigureOut">
               <a:rPr lang="en-US" dirty="0"/>
-              <a:t>10/4/2021</a:t>
+              <a:t>10/6/2021</a:t>
             </a:fld>
             <a:endParaRPr lang="en-US"/>
           </a:p>
@@ -2609,7 +2609,7 @@
           <a:p>
             <a:fld id="{7B156144-9CB7-4E3A-B87E-A382F9BE05EF}" type="datetimeFigureOut">
               <a:rPr lang="en-US" dirty="0"/>
-              <a:t>10/4/2021</a:t>
+              <a:t>10/6/2021</a:t>
             </a:fld>
             <a:endParaRPr lang="en-US"/>
           </a:p>
@@ -2787,7 +2787,7 @@
           <a:p>
             <a:fld id="{2643D55F-46AB-4791-9172-4FA8DD3A6A9C}" type="datetimeFigureOut">
               <a:rPr lang="en-US" dirty="0"/>
-              <a:t>10/4/2021</a:t>
+              <a:t>10/6/2021</a:t>
             </a:fld>
             <a:endParaRPr lang="en-US"/>
           </a:p>
@@ -2955,7 +2955,7 @@
           <a:p>
             <a:fld id="{58026881-8A08-449C-8D73-E5F201F814C1}" type="datetimeFigureOut">
               <a:rPr lang="en-US" dirty="0"/>
-              <a:t>10/4/2021</a:t>
+              <a:t>10/6/2021</a:t>
             </a:fld>
             <a:endParaRPr lang="en-US"/>
           </a:p>
@@ -3245,7 +3245,7 @@
           <a:p>
             <a:fld id="{1BEB5A5E-0C07-4E93-A112-D37B4D166B30}" type="datetimeFigureOut">
               <a:rPr lang="en-US" dirty="0"/>
-              <a:t>10/4/2021</a:t>
+              <a:t>10/6/2021</a:t>
             </a:fld>
             <a:endParaRPr lang="en-US"/>
           </a:p>
@@ -3568,7 +3568,7 @@
           <a:p>
             <a:fld id="{9E1F71C5-DC57-4358-A1EA-30C08AF6E3C5}" type="datetimeFigureOut">
               <a:rPr lang="en-US" dirty="0"/>
-              <a:t>10/4/2021</a:t>
+              <a:t>10/6/2021</a:t>
             </a:fld>
             <a:endParaRPr lang="en-US"/>
           </a:p>
@@ -3977,7 +3977,7 @@
           <a:p>
             <a:fld id="{12571DBA-DE60-4731-B773-47AAA185C143}" type="datetimeFigureOut">
               <a:rPr lang="en-US" dirty="0"/>
-              <a:t>10/4/2021</a:t>
+              <a:t>10/6/2021</a:t>
             </a:fld>
             <a:endParaRPr lang="en-US"/>
           </a:p>
@@ -4094,7 +4094,7 @@
           <a:p>
             <a:fld id="{4F170639-886C-4FCF-9EAB-ABB5DA3F3F4A}" type="datetimeFigureOut">
               <a:rPr lang="en-US" dirty="0"/>
-              <a:t>10/4/2021</a:t>
+              <a:t>10/6/2021</a:t>
             </a:fld>
             <a:endParaRPr lang="en-US"/>
           </a:p>
@@ -4189,7 +4189,7 @@
           <a:p>
             <a:fld id="{34C4A628-C83B-4C66-83F4-1711CE3738FD}" type="datetimeFigureOut">
               <a:rPr lang="en-US" dirty="0"/>
-              <a:t>10/4/2021</a:t>
+              <a:t>10/6/2021</a:t>
             </a:fld>
             <a:endParaRPr lang="en-US"/>
           </a:p>
@@ -4474,7 +4474,7 @@
           <a:p>
             <a:fld id="{B88C1D73-9400-43CA-A37F-F9B7D00DE14C}" type="datetimeFigureOut">
               <a:rPr lang="en-US" dirty="0"/>
-              <a:t>10/4/2021</a:t>
+              <a:t>10/6/2021</a:t>
             </a:fld>
             <a:endParaRPr lang="en-US"/>
           </a:p>
@@ -4746,7 +4746,7 @@
           <a:p>
             <a:fld id="{188B7711-B905-4633-B4D7-6F3A49A2E7D9}" type="datetimeFigureOut">
               <a:rPr lang="en-US" dirty="0"/>
-              <a:t>10/4/2021</a:t>
+              <a:t>10/6/2021</a:t>
             </a:fld>
             <a:endParaRPr lang="en-US"/>
           </a:p>
@@ -4996,7 +4996,7 @@
             <a:fld id="{89C235CF-BDA2-4E7E-8BBD-350479985E74}" type="datetimeFigureOut">
               <a:rPr lang="en-US" dirty="0"/>
               <a:pPr/>
-              <a:t>10/4/2021</a:t>
+              <a:t>10/6/2021</a:t>
             </a:fld>
             <a:endParaRPr lang="en-US"/>
           </a:p>
@@ -6428,14 +6428,14 @@
             </a:r>
             <a:r>
               <a:rPr lang="en-US" dirty="0"/>
-              <a:t> that take the original dataset and groups the data by neighborhood and finds the average price, number of reviews, and availability_365</a:t>
+              <a:t> that takes the original dataset and groups the data by neighborhood and finds the average price, total number of reviews, and max availability_365.</a:t>
             </a:r>
           </a:p>
           <a:p>
             <a:pPr lvl="1"/>
             <a:r>
               <a:rPr lang="en-US" dirty="0"/>
-              <a:t>In short, you’re looking for the average price, number of reviews, and availability per neighborhood.</a:t>
+              <a:t>In short, you’re looking for the average price, total number of reviews, and max availability per neighborhood.</a:t>
             </a:r>
           </a:p>
           <a:p>
